--- a/Презентация.pptx
+++ b/Презентация.pptx
@@ -5,10 +5,10 @@
     <p:sldMasterId id="2147483738" r:id="rId2"/>
   </p:sldMasterIdLst>
   <p:notesMasterIdLst>
-    <p:notesMasterId r:id="rId15"/>
+    <p:notesMasterId r:id="rId16"/>
   </p:notesMasterIdLst>
   <p:handoutMasterIdLst>
-    <p:handoutMasterId r:id="rId16"/>
+    <p:handoutMasterId r:id="rId17"/>
   </p:handoutMasterIdLst>
   <p:sldIdLst>
     <p:sldId id="256" r:id="rId3"/>
@@ -21,8 +21,9 @@
     <p:sldId id="289" r:id="rId10"/>
     <p:sldId id="291" r:id="rId11"/>
     <p:sldId id="292" r:id="rId12"/>
-    <p:sldId id="296" r:id="rId13"/>
-    <p:sldId id="294" r:id="rId14"/>
+    <p:sldId id="298" r:id="rId13"/>
+    <p:sldId id="296" r:id="rId14"/>
+    <p:sldId id="294" r:id="rId15"/>
   </p:sldIdLst>
   <p:sldSz cx="12188825" cy="6858000"/>
   <p:notesSz cx="6858000" cy="9144000"/>
@@ -285,7 +286,7 @@
           <a:p>
             <a:fld id="{24CE221E-83ED-4F6C-BA5F-3F9E6FDB6953}" type="datetimeFigureOut">
               <a:rPr lang="ru-RU" smtClean="0"/>
-              <a:t>02.01.2018</a:t>
+              <a:t>05.12.2018</a:t>
             </a:fld>
             <a:endParaRPr lang="ru-RU" dirty="0"/>
           </a:p>
@@ -450,7 +451,7 @@
           <a:p>
             <a:fld id="{97853E5F-CE67-483C-A264-F17AC70E9CA2}" type="datetimeFigureOut">
               <a:rPr lang="ru-RU" smtClean="0"/>
-              <a:t>02.01.2018</a:t>
+              <a:t>05.12.2018</a:t>
             </a:fld>
             <a:endParaRPr lang="ru-RU" dirty="0"/>
           </a:p>
@@ -514,38 +515,37 @@
           <a:p>
             <a:pPr lvl="0"/>
             <a:r>
-              <a:rPr lang="ru-RU" dirty="0" smtClean="0"/>
+              <a:rPr lang="ru-RU" dirty="0"/>
               <a:t>Образец текста</a:t>
             </a:r>
           </a:p>
           <a:p>
             <a:pPr lvl="1"/>
             <a:r>
-              <a:rPr lang="ru-RU" dirty="0" smtClean="0"/>
+              <a:rPr lang="ru-RU" dirty="0"/>
               <a:t>Второй уровень</a:t>
             </a:r>
           </a:p>
           <a:p>
             <a:pPr lvl="2"/>
             <a:r>
-              <a:rPr lang="ru-RU" dirty="0" smtClean="0"/>
+              <a:rPr lang="ru-RU" dirty="0"/>
               <a:t>Третий уровень</a:t>
             </a:r>
           </a:p>
           <a:p>
             <a:pPr lvl="3"/>
             <a:r>
-              <a:rPr lang="ru-RU" dirty="0" smtClean="0"/>
+              <a:rPr lang="ru-RU" dirty="0"/>
               <a:t>Четвертый уровень</a:t>
             </a:r>
           </a:p>
           <a:p>
             <a:pPr lvl="4"/>
             <a:r>
-              <a:rPr lang="ru-RU" dirty="0" smtClean="0"/>
+              <a:rPr lang="ru-RU" dirty="0"/>
               <a:t>Пятый уровень</a:t>
             </a:r>
-            <a:endParaRPr lang="ru-RU" dirty="0"/>
           </a:p>
         </p:txBody>
       </p:sp>
@@ -779,7 +779,7 @@
           </a:lstStyle>
           <a:p>
             <a:r>
-              <a:rPr lang="ru-RU" smtClean="0"/>
+              <a:rPr lang="ru-RU"/>
               <a:t>Образец заголовка</a:t>
             </a:r>
             <a:endParaRPr lang="en-US" dirty="0"/>
@@ -852,7 +852,7 @@
           </a:lstStyle>
           <a:p>
             <a:r>
-              <a:rPr lang="ru-RU" smtClean="0"/>
+              <a:rPr lang="ru-RU"/>
               <a:t>Образец подзаголовка</a:t>
             </a:r>
             <a:endParaRPr lang="en-US" dirty="0"/>
@@ -886,7 +886,7 @@
           <a:p>
             <a:fld id="{3E0FA9E5-6744-4841-888F-9E7CC0C2B7EC}" type="datetimeFigureOut">
               <a:rPr lang="ru-RU" smtClean="0"/>
-              <a:t>02.01.2018</a:t>
+              <a:t>05.12.2018</a:t>
             </a:fld>
             <a:endParaRPr lang="ru-RU" dirty="0"/>
           </a:p>
@@ -1009,13 +1009,6 @@
       </p:transition>
     </mc:Fallback>
   </mc:AlternateContent>
-  <p:timing>
-    <p:tnLst>
-      <p:par>
-        <p:cTn id="1" dur="indefinite" restart="never" nodeType="tmRoot"/>
-      </p:par>
-    </p:tnLst>
-  </p:timing>
 </p:sldLayout>
 </file>
 
@@ -1052,7 +1045,7 @@
           <a:lstStyle/>
           <a:p>
             <a:r>
-              <a:rPr lang="ru-RU" smtClean="0"/>
+              <a:rPr lang="ru-RU"/>
               <a:t>Образец заголовка</a:t>
             </a:r>
             <a:endParaRPr lang="en-US" dirty="0"/>
@@ -1076,35 +1069,35 @@
           <a:p>
             <a:pPr lvl="0"/>
             <a:r>
-              <a:rPr lang="ru-RU" smtClean="0"/>
+              <a:rPr lang="ru-RU"/>
               <a:t>Образец текста</a:t>
             </a:r>
           </a:p>
           <a:p>
             <a:pPr lvl="1"/>
             <a:r>
-              <a:rPr lang="ru-RU" smtClean="0"/>
+              <a:rPr lang="ru-RU"/>
               <a:t>Второй уровень</a:t>
             </a:r>
           </a:p>
           <a:p>
             <a:pPr lvl="2"/>
             <a:r>
-              <a:rPr lang="ru-RU" smtClean="0"/>
+              <a:rPr lang="ru-RU"/>
               <a:t>Третий уровень</a:t>
             </a:r>
           </a:p>
           <a:p>
             <a:pPr lvl="3"/>
             <a:r>
-              <a:rPr lang="ru-RU" smtClean="0"/>
+              <a:rPr lang="ru-RU"/>
               <a:t>Четвертый уровень</a:t>
             </a:r>
           </a:p>
           <a:p>
             <a:pPr lvl="4"/>
             <a:r>
-              <a:rPr lang="ru-RU" smtClean="0"/>
+              <a:rPr lang="ru-RU"/>
               <a:t>Пятый уровень</a:t>
             </a:r>
             <a:endParaRPr lang="en-US" dirty="0"/>
@@ -1129,7 +1122,7 @@
             <a:fld id="{3E0FA9E5-6744-4841-888F-9E7CC0C2B7EC}" type="datetimeFigureOut">
               <a:rPr lang="ru-RU" smtClean="0"/>
               <a:pPr/>
-              <a:t>02.01.2018</a:t>
+              <a:t>05.12.2018</a:t>
             </a:fld>
             <a:endParaRPr lang="ru-RU" dirty="0"/>
           </a:p>
@@ -1183,13 +1176,6 @@
   <p:clrMapOvr>
     <a:masterClrMapping/>
   </p:clrMapOvr>
-  <p:timing>
-    <p:tnLst>
-      <p:par>
-        <p:cTn id="1" dur="indefinite" restart="never" nodeType="tmRoot"/>
-      </p:par>
-    </p:tnLst>
-  </p:timing>
 </p:sldLayout>
 </file>
 
@@ -1231,7 +1217,7 @@
           <a:lstStyle/>
           <a:p>
             <a:r>
-              <a:rPr lang="ru-RU" smtClean="0"/>
+              <a:rPr lang="ru-RU"/>
               <a:t>Образец заголовка</a:t>
             </a:r>
             <a:endParaRPr lang="en-US" dirty="0"/>
@@ -1260,35 +1246,35 @@
           <a:p>
             <a:pPr lvl="0"/>
             <a:r>
-              <a:rPr lang="ru-RU" smtClean="0"/>
+              <a:rPr lang="ru-RU"/>
               <a:t>Образец текста</a:t>
             </a:r>
           </a:p>
           <a:p>
             <a:pPr lvl="1"/>
             <a:r>
-              <a:rPr lang="ru-RU" smtClean="0"/>
+              <a:rPr lang="ru-RU"/>
               <a:t>Второй уровень</a:t>
             </a:r>
           </a:p>
           <a:p>
             <a:pPr lvl="2"/>
             <a:r>
-              <a:rPr lang="ru-RU" smtClean="0"/>
+              <a:rPr lang="ru-RU"/>
               <a:t>Третий уровень</a:t>
             </a:r>
           </a:p>
           <a:p>
             <a:pPr lvl="3"/>
             <a:r>
-              <a:rPr lang="ru-RU" smtClean="0"/>
+              <a:rPr lang="ru-RU"/>
               <a:t>Четвертый уровень</a:t>
             </a:r>
           </a:p>
           <a:p>
             <a:pPr lvl="4"/>
             <a:r>
-              <a:rPr lang="ru-RU" smtClean="0"/>
+              <a:rPr lang="ru-RU"/>
               <a:t>Пятый уровень</a:t>
             </a:r>
             <a:endParaRPr lang="en-US" dirty="0"/>
@@ -1313,7 +1299,7 @@
             <a:fld id="{3E0FA9E5-6744-4841-888F-9E7CC0C2B7EC}" type="datetimeFigureOut">
               <a:rPr lang="ru-RU" smtClean="0"/>
               <a:pPr/>
-              <a:t>02.01.2018</a:t>
+              <a:t>05.12.2018</a:t>
             </a:fld>
             <a:endParaRPr lang="ru-RU" dirty="0"/>
           </a:p>
@@ -1367,13 +1353,6 @@
   <p:clrMapOvr>
     <a:masterClrMapping/>
   </p:clrMapOvr>
-  <p:timing>
-    <p:tnLst>
-      <p:par>
-        <p:cTn id="1" dur="indefinite" restart="never" nodeType="tmRoot"/>
-      </p:par>
-    </p:tnLst>
-  </p:timing>
 </p:sldLayout>
 </file>
 
@@ -1410,7 +1389,7 @@
           <a:lstStyle/>
           <a:p>
             <a:r>
-              <a:rPr lang="ru-RU" smtClean="0"/>
+              <a:rPr lang="ru-RU"/>
               <a:t>Образец заголовка</a:t>
             </a:r>
             <a:endParaRPr lang="en-US" dirty="0"/>
@@ -1434,35 +1413,35 @@
           <a:p>
             <a:pPr lvl="0"/>
             <a:r>
-              <a:rPr lang="ru-RU" smtClean="0"/>
+              <a:rPr lang="ru-RU"/>
               <a:t>Образец текста</a:t>
             </a:r>
           </a:p>
           <a:p>
             <a:pPr lvl="1"/>
             <a:r>
-              <a:rPr lang="ru-RU" smtClean="0"/>
+              <a:rPr lang="ru-RU"/>
               <a:t>Второй уровень</a:t>
             </a:r>
           </a:p>
           <a:p>
             <a:pPr lvl="2"/>
             <a:r>
-              <a:rPr lang="ru-RU" smtClean="0"/>
+              <a:rPr lang="ru-RU"/>
               <a:t>Третий уровень</a:t>
             </a:r>
           </a:p>
           <a:p>
             <a:pPr lvl="3"/>
             <a:r>
-              <a:rPr lang="ru-RU" smtClean="0"/>
+              <a:rPr lang="ru-RU"/>
               <a:t>Четвертый уровень</a:t>
             </a:r>
           </a:p>
           <a:p>
             <a:pPr lvl="4"/>
             <a:r>
-              <a:rPr lang="ru-RU" smtClean="0"/>
+              <a:rPr lang="ru-RU"/>
               <a:t>Пятый уровень</a:t>
             </a:r>
             <a:endParaRPr lang="en-US" dirty="0"/>
@@ -1486,7 +1465,7 @@
           <a:p>
             <a:fld id="{3E0FA9E5-6744-4841-888F-9E7CC0C2B7EC}" type="datetimeFigureOut">
               <a:rPr lang="ru-RU" smtClean="0"/>
-              <a:t>02.01.2018</a:t>
+              <a:t>05.12.2018</a:t>
             </a:fld>
             <a:endParaRPr lang="ru-RU" dirty="0"/>
           </a:p>
@@ -1551,13 +1530,6 @@
       </p:transition>
     </mc:Fallback>
   </mc:AlternateContent>
-  <p:timing>
-    <p:tnLst>
-      <p:par>
-        <p:cTn id="1" dur="indefinite" restart="never" nodeType="tmRoot"/>
-      </p:par>
-    </p:tnLst>
-  </p:timing>
 </p:sldLayout>
 </file>
 
@@ -1608,7 +1580,7 @@
           </a:lstStyle>
           <a:p>
             <a:r>
-              <a:rPr lang="ru-RU" smtClean="0"/>
+              <a:rPr lang="ru-RU"/>
               <a:t>Образец заголовка</a:t>
             </a:r>
             <a:endParaRPr lang="en-US" dirty="0"/>
@@ -1731,7 +1703,7 @@
           <a:p>
             <a:pPr lvl="0"/>
             <a:r>
-              <a:rPr lang="ru-RU" smtClean="0"/>
+              <a:rPr lang="ru-RU"/>
               <a:t>Образец текста</a:t>
             </a:r>
           </a:p>
@@ -1754,7 +1726,7 @@
           <a:p>
             <a:fld id="{3E0FA9E5-6744-4841-888F-9E7CC0C2B7EC}" type="datetimeFigureOut">
               <a:rPr lang="ru-RU" smtClean="0"/>
-              <a:t>02.01.2018</a:t>
+              <a:t>05.12.2018</a:t>
             </a:fld>
             <a:endParaRPr lang="ru-RU" dirty="0"/>
           </a:p>
@@ -1857,13 +1829,6 @@
       </p:transition>
     </mc:Fallback>
   </mc:AlternateContent>
-  <p:timing>
-    <p:tnLst>
-      <p:par>
-        <p:cTn id="1" dur="indefinite" restart="never" nodeType="tmRoot"/>
-      </p:par>
-    </p:tnLst>
-  </p:timing>
 </p:sldLayout>
 </file>
 
@@ -1900,7 +1865,7 @@
           <a:lstStyle/>
           <a:p>
             <a:r>
-              <a:rPr lang="ru-RU" smtClean="0"/>
+              <a:rPr lang="ru-RU"/>
               <a:t>Образец заголовка</a:t>
             </a:r>
             <a:endParaRPr lang="en-US" dirty="0"/>
@@ -1957,35 +1922,35 @@
           <a:p>
             <a:pPr lvl="0"/>
             <a:r>
-              <a:rPr lang="ru-RU" smtClean="0"/>
+              <a:rPr lang="ru-RU"/>
               <a:t>Образец текста</a:t>
             </a:r>
           </a:p>
           <a:p>
             <a:pPr lvl="1"/>
             <a:r>
-              <a:rPr lang="ru-RU" smtClean="0"/>
+              <a:rPr lang="ru-RU"/>
               <a:t>Второй уровень</a:t>
             </a:r>
           </a:p>
           <a:p>
             <a:pPr lvl="2"/>
             <a:r>
-              <a:rPr lang="ru-RU" smtClean="0"/>
+              <a:rPr lang="ru-RU"/>
               <a:t>Третий уровень</a:t>
             </a:r>
           </a:p>
           <a:p>
             <a:pPr lvl="3"/>
             <a:r>
-              <a:rPr lang="ru-RU" smtClean="0"/>
+              <a:rPr lang="ru-RU"/>
               <a:t>Четвертый уровень</a:t>
             </a:r>
           </a:p>
           <a:p>
             <a:pPr lvl="4"/>
             <a:r>
-              <a:rPr lang="ru-RU" smtClean="0"/>
+              <a:rPr lang="ru-RU"/>
               <a:t>Пятый уровень</a:t>
             </a:r>
             <a:endParaRPr lang="en-US" dirty="0"/>
@@ -2042,35 +2007,35 @@
           <a:p>
             <a:pPr lvl="0"/>
             <a:r>
-              <a:rPr lang="ru-RU" smtClean="0"/>
+              <a:rPr lang="ru-RU"/>
               <a:t>Образец текста</a:t>
             </a:r>
           </a:p>
           <a:p>
             <a:pPr lvl="1"/>
             <a:r>
-              <a:rPr lang="ru-RU" smtClean="0"/>
+              <a:rPr lang="ru-RU"/>
               <a:t>Второй уровень</a:t>
             </a:r>
           </a:p>
           <a:p>
             <a:pPr lvl="2"/>
             <a:r>
-              <a:rPr lang="ru-RU" smtClean="0"/>
+              <a:rPr lang="ru-RU"/>
               <a:t>Третий уровень</a:t>
             </a:r>
           </a:p>
           <a:p>
             <a:pPr lvl="3"/>
             <a:r>
-              <a:rPr lang="ru-RU" smtClean="0"/>
+              <a:rPr lang="ru-RU"/>
               <a:t>Четвертый уровень</a:t>
             </a:r>
           </a:p>
           <a:p>
             <a:pPr lvl="4"/>
             <a:r>
-              <a:rPr lang="ru-RU" smtClean="0"/>
+              <a:rPr lang="ru-RU"/>
               <a:t>Пятый уровень</a:t>
             </a:r>
             <a:endParaRPr lang="en-US" dirty="0"/>
@@ -2094,7 +2059,7 @@
           <a:p>
             <a:fld id="{3E0FA9E5-6744-4841-888F-9E7CC0C2B7EC}" type="datetimeFigureOut">
               <a:rPr lang="ru-RU" smtClean="0"/>
-              <a:t>02.01.2018</a:t>
+              <a:t>05.12.2018</a:t>
             </a:fld>
             <a:endParaRPr lang="ru-RU" dirty="0"/>
           </a:p>
@@ -2159,13 +2124,6 @@
       </p:transition>
     </mc:Fallback>
   </mc:AlternateContent>
-  <p:timing>
-    <p:tnLst>
-      <p:par>
-        <p:cTn id="1" dur="indefinite" restart="never" nodeType="tmRoot"/>
-      </p:par>
-    </p:tnLst>
-  </p:timing>
 </p:sldLayout>
 </file>
 
@@ -2202,7 +2160,7 @@
           <a:lstStyle/>
           <a:p>
             <a:r>
-              <a:rPr lang="ru-RU" smtClean="0"/>
+              <a:rPr lang="ru-RU"/>
               <a:t>Образец заголовка</a:t>
             </a:r>
             <a:endParaRPr lang="en-US" dirty="0"/>
@@ -2277,7 +2235,7 @@
           <a:p>
             <a:pPr lvl="0"/>
             <a:r>
-              <a:rPr lang="ru-RU" smtClean="0"/>
+              <a:rPr lang="ru-RU"/>
               <a:t>Образец текста</a:t>
             </a:r>
           </a:p>
@@ -2333,35 +2291,35 @@
           <a:p>
             <a:pPr lvl="0"/>
             <a:r>
-              <a:rPr lang="ru-RU" smtClean="0"/>
+              <a:rPr lang="ru-RU"/>
               <a:t>Образец текста</a:t>
             </a:r>
           </a:p>
           <a:p>
             <a:pPr lvl="1"/>
             <a:r>
-              <a:rPr lang="ru-RU" smtClean="0"/>
+              <a:rPr lang="ru-RU"/>
               <a:t>Второй уровень</a:t>
             </a:r>
           </a:p>
           <a:p>
             <a:pPr lvl="2"/>
             <a:r>
-              <a:rPr lang="ru-RU" smtClean="0"/>
+              <a:rPr lang="ru-RU"/>
               <a:t>Третий уровень</a:t>
             </a:r>
           </a:p>
           <a:p>
             <a:pPr lvl="3"/>
             <a:r>
-              <a:rPr lang="ru-RU" smtClean="0"/>
+              <a:rPr lang="ru-RU"/>
               <a:t>Четвертый уровень</a:t>
             </a:r>
           </a:p>
           <a:p>
             <a:pPr lvl="4"/>
             <a:r>
-              <a:rPr lang="ru-RU" smtClean="0"/>
+              <a:rPr lang="ru-RU"/>
               <a:t>Пятый уровень</a:t>
             </a:r>
             <a:endParaRPr lang="en-US" dirty="0"/>
@@ -2451,7 +2409,7 @@
               <a:buNone/>
             </a:pPr>
             <a:r>
-              <a:rPr lang="ru-RU" smtClean="0"/>
+              <a:rPr lang="ru-RU"/>
               <a:t>Образец текста</a:t>
             </a:r>
           </a:p>
@@ -2507,35 +2465,35 @@
           <a:p>
             <a:pPr lvl="0"/>
             <a:r>
-              <a:rPr lang="ru-RU" smtClean="0"/>
+              <a:rPr lang="ru-RU"/>
               <a:t>Образец текста</a:t>
             </a:r>
           </a:p>
           <a:p>
             <a:pPr lvl="1"/>
             <a:r>
-              <a:rPr lang="ru-RU" smtClean="0"/>
+              <a:rPr lang="ru-RU"/>
               <a:t>Второй уровень</a:t>
             </a:r>
           </a:p>
           <a:p>
             <a:pPr lvl="2"/>
             <a:r>
-              <a:rPr lang="ru-RU" smtClean="0"/>
+              <a:rPr lang="ru-RU"/>
               <a:t>Третий уровень</a:t>
             </a:r>
           </a:p>
           <a:p>
             <a:pPr lvl="3"/>
             <a:r>
-              <a:rPr lang="ru-RU" smtClean="0"/>
+              <a:rPr lang="ru-RU"/>
               <a:t>Четвертый уровень</a:t>
             </a:r>
           </a:p>
           <a:p>
             <a:pPr lvl="4"/>
             <a:r>
-              <a:rPr lang="ru-RU" smtClean="0"/>
+              <a:rPr lang="ru-RU"/>
               <a:t>Пятый уровень</a:t>
             </a:r>
             <a:endParaRPr lang="en-US" dirty="0"/>
@@ -2559,7 +2517,7 @@
           <a:p>
             <a:fld id="{3E0FA9E5-6744-4841-888F-9E7CC0C2B7EC}" type="datetimeFigureOut">
               <a:rPr lang="ru-RU" smtClean="0"/>
-              <a:t>02.01.2018</a:t>
+              <a:t>05.12.2018</a:t>
             </a:fld>
             <a:endParaRPr lang="ru-RU" dirty="0"/>
           </a:p>
@@ -2624,13 +2582,6 @@
       </p:transition>
     </mc:Fallback>
   </mc:AlternateContent>
-  <p:timing>
-    <p:tnLst>
-      <p:par>
-        <p:cTn id="1" dur="indefinite" restart="never" nodeType="tmRoot"/>
-      </p:par>
-    </p:tnLst>
-  </p:timing>
 </p:sldLayout>
 </file>
 
@@ -2667,7 +2618,7 @@
           <a:lstStyle/>
           <a:p>
             <a:r>
-              <a:rPr lang="ru-RU" smtClean="0"/>
+              <a:rPr lang="ru-RU"/>
               <a:t>Образец заголовка</a:t>
             </a:r>
             <a:endParaRPr lang="en-US" dirty="0"/>
@@ -2691,7 +2642,7 @@
           <a:p>
             <a:fld id="{3E0FA9E5-6744-4841-888F-9E7CC0C2B7EC}" type="datetimeFigureOut">
               <a:rPr lang="ru-RU" smtClean="0"/>
-              <a:t>02.01.2018</a:t>
+              <a:t>05.12.2018</a:t>
             </a:fld>
             <a:endParaRPr lang="ru-RU" dirty="0"/>
           </a:p>
@@ -2756,13 +2707,6 @@
       </p:transition>
     </mc:Fallback>
   </mc:AlternateContent>
-  <p:timing>
-    <p:tnLst>
-      <p:par>
-        <p:cTn id="1" dur="indefinite" restart="never" nodeType="tmRoot"/>
-      </p:par>
-    </p:tnLst>
-  </p:timing>
 </p:sldLayout>
 </file>
 
@@ -2800,7 +2744,7 @@
           <a:p>
             <a:fld id="{3E0FA9E5-6744-4841-888F-9E7CC0C2B7EC}" type="datetimeFigureOut">
               <a:rPr lang="ru-RU" smtClean="0"/>
-              <a:t>02.01.2018</a:t>
+              <a:t>05.12.2018</a:t>
             </a:fld>
             <a:endParaRPr lang="ru-RU" dirty="0"/>
           </a:p>
@@ -2865,13 +2809,6 @@
       </p:transition>
     </mc:Fallback>
   </mc:AlternateContent>
-  <p:timing>
-    <p:tnLst>
-      <p:par>
-        <p:cTn id="1" dur="indefinite" restart="never" nodeType="tmRoot"/>
-      </p:par>
-    </p:tnLst>
-  </p:timing>
 </p:sldLayout>
 </file>
 
@@ -2919,7 +2856,7 @@
           </a:lstStyle>
           <a:p>
             <a:r>
-              <a:rPr lang="ru-RU" smtClean="0"/>
+              <a:rPr lang="ru-RU"/>
               <a:t>Образец заголовка</a:t>
             </a:r>
             <a:endParaRPr lang="en-US" dirty="0"/>
@@ -2976,35 +2913,35 @@
           <a:p>
             <a:pPr lvl="0"/>
             <a:r>
-              <a:rPr lang="ru-RU" smtClean="0"/>
+              <a:rPr lang="ru-RU"/>
               <a:t>Образец текста</a:t>
             </a:r>
           </a:p>
           <a:p>
             <a:pPr lvl="1"/>
             <a:r>
-              <a:rPr lang="ru-RU" smtClean="0"/>
+              <a:rPr lang="ru-RU"/>
               <a:t>Второй уровень</a:t>
             </a:r>
           </a:p>
           <a:p>
             <a:pPr lvl="2"/>
             <a:r>
-              <a:rPr lang="ru-RU" smtClean="0"/>
+              <a:rPr lang="ru-RU"/>
               <a:t>Третий уровень</a:t>
             </a:r>
           </a:p>
           <a:p>
             <a:pPr lvl="3"/>
             <a:r>
-              <a:rPr lang="ru-RU" smtClean="0"/>
+              <a:rPr lang="ru-RU"/>
               <a:t>Четвертый уровень</a:t>
             </a:r>
           </a:p>
           <a:p>
             <a:pPr lvl="4"/>
             <a:r>
-              <a:rPr lang="ru-RU" smtClean="0"/>
+              <a:rPr lang="ru-RU"/>
               <a:t>Пятый уровень</a:t>
             </a:r>
             <a:endParaRPr lang="en-US" dirty="0"/>
@@ -3078,7 +3015,7 @@
           <a:p>
             <a:pPr lvl="0"/>
             <a:r>
-              <a:rPr lang="ru-RU" smtClean="0"/>
+              <a:rPr lang="ru-RU"/>
               <a:t>Образец текста</a:t>
             </a:r>
           </a:p>
@@ -3101,7 +3038,7 @@
           <a:p>
             <a:fld id="{3E0FA9E5-6744-4841-888F-9E7CC0C2B7EC}" type="datetimeFigureOut">
               <a:rPr lang="ru-RU" smtClean="0"/>
-              <a:t>02.01.2018</a:t>
+              <a:t>05.12.2018</a:t>
             </a:fld>
             <a:endParaRPr lang="ru-RU" dirty="0"/>
           </a:p>
@@ -3166,13 +3103,6 @@
       </p:transition>
     </mc:Fallback>
   </mc:AlternateContent>
-  <p:timing>
-    <p:tnLst>
-      <p:par>
-        <p:cTn id="1" dur="indefinite" restart="never" nodeType="tmRoot"/>
-      </p:par>
-    </p:tnLst>
-  </p:timing>
 </p:sldLayout>
 </file>
 
@@ -3262,7 +3192,7 @@
           </a:lstStyle>
           <a:p>
             <a:r>
-              <a:rPr lang="ru-RU" smtClean="0"/>
+              <a:rPr lang="ru-RU"/>
               <a:t>Образец заголовка</a:t>
             </a:r>
             <a:endParaRPr lang="en-US" dirty="0"/>
@@ -3334,7 +3264,7 @@
           </a:lstStyle>
           <a:p>
             <a:r>
-              <a:rPr lang="ru-RU" smtClean="0"/>
+              <a:rPr lang="ru-RU"/>
               <a:t>Чтобы добавить рисунок, перетащите его в заполнитель или щелкните значок</a:t>
             </a:r>
             <a:endParaRPr lang="en-US" dirty="0"/>
@@ -3414,7 +3344,7 @@
           <a:p>
             <a:pPr lvl="0"/>
             <a:r>
-              <a:rPr lang="ru-RU" smtClean="0"/>
+              <a:rPr lang="ru-RU"/>
               <a:t>Образец текста</a:t>
             </a:r>
           </a:p>
@@ -3437,7 +3367,7 @@
           <a:p>
             <a:fld id="{0393231C-9702-6447-A881-5A9BAA4CB57E}" type="datetimeFigureOut">
               <a:rPr lang="ru-RU" smtClean="0"/>
-              <a:t>02.01.2018</a:t>
+              <a:t>05.12.2018</a:t>
             </a:fld>
             <a:endParaRPr lang="ru-RU"/>
           </a:p>
@@ -3502,13 +3432,6 @@
       </p:transition>
     </mc:Fallback>
   </mc:AlternateContent>
-  <p:timing>
-    <p:tnLst>
-      <p:par>
-        <p:cTn id="1" dur="indefinite" restart="never" nodeType="tmRoot"/>
-      </p:par>
-    </p:tnLst>
-  </p:timing>
 </p:sldLayout>
 </file>
 
@@ -3600,7 +3523,7 @@
           <a:lstStyle/>
           <a:p>
             <a:r>
-              <a:rPr lang="ru-RU" smtClean="0"/>
+              <a:rPr lang="ru-RU"/>
               <a:t>Образец заголовка</a:t>
             </a:r>
             <a:endParaRPr lang="en-US" dirty="0"/>
@@ -3634,35 +3557,35 @@
           <a:p>
             <a:pPr lvl="0"/>
             <a:r>
-              <a:rPr lang="ru-RU" smtClean="0"/>
+              <a:rPr lang="ru-RU"/>
               <a:t>Образец текста</a:t>
             </a:r>
           </a:p>
           <a:p>
             <a:pPr lvl="1"/>
             <a:r>
-              <a:rPr lang="ru-RU" smtClean="0"/>
+              <a:rPr lang="ru-RU"/>
               <a:t>Второй уровень</a:t>
             </a:r>
           </a:p>
           <a:p>
             <a:pPr lvl="2"/>
             <a:r>
-              <a:rPr lang="ru-RU" smtClean="0"/>
+              <a:rPr lang="ru-RU"/>
               <a:t>Третий уровень</a:t>
             </a:r>
           </a:p>
           <a:p>
             <a:pPr lvl="3"/>
             <a:r>
-              <a:rPr lang="ru-RU" smtClean="0"/>
+              <a:rPr lang="ru-RU"/>
               <a:t>Четвертый уровень</a:t>
             </a:r>
           </a:p>
           <a:p>
             <a:pPr lvl="4"/>
             <a:r>
-              <a:rPr lang="ru-RU" smtClean="0"/>
+              <a:rPr lang="ru-RU"/>
               <a:t>Пятый уровень</a:t>
             </a:r>
             <a:endParaRPr lang="en-US" dirty="0"/>
@@ -3706,7 +3629,7 @@
             <a:fld id="{3E0FA9E5-6744-4841-888F-9E7CC0C2B7EC}" type="datetimeFigureOut">
               <a:rPr lang="ru-RU" smtClean="0"/>
               <a:pPr/>
-              <a:t>02.01.2018</a:t>
+              <a:t>05.12.2018</a:t>
             </a:fld>
             <a:endParaRPr lang="ru-RU" dirty="0"/>
           </a:p>
@@ -3828,13 +3751,6 @@
       </p:transition>
     </mc:Fallback>
   </mc:AlternateContent>
-  <p:timing>
-    <p:tnLst>
-      <p:par>
-        <p:cTn id="1" dur="indefinite" restart="never" nodeType="tmRoot"/>
-      </p:par>
-    </p:tnLst>
-  </p:timing>
   <p:txStyles>
     <p:titleStyle>
       <a:lvl1pPr algn="l" defTabSz="914126" rtl="0" eaLnBrk="1" latinLnBrk="0" hangingPunct="1">
@@ -4238,10 +4154,7 @@
           <a:p>
             <a:pPr algn="ctr"/>
             <a:r>
-              <a:rPr lang="ru-RU" sz="3200" b="0" u="sng" dirty="0" smtClean="0">
-                <a:solidFill>
-                  <a:schemeClr val="tx1"/>
-                </a:solidFill>
+              <a:rPr lang="ru-RU" sz="3200" u="sng" dirty="0">
                 <a:effectLst>
                   <a:outerShdw blurRad="38100" dist="38100" dir="2700000" algn="tl">
                     <a:srgbClr val="000000">
@@ -4252,41 +4165,7 @@
                 <a:latin typeface="Helvetica" panose="020B0604020202020204" pitchFamily="34" charset="0"/>
                 <a:cs typeface="Helvetica" panose="020B0604020202020204" pitchFamily="34" charset="0"/>
               </a:rPr>
-              <a:t>Автоматизированная информационная система на языке </a:t>
-            </a:r>
-            <a:r>
-              <a:rPr lang="en-US" sz="3200" b="0" u="sng" dirty="0" smtClean="0">
-                <a:solidFill>
-                  <a:schemeClr val="tx1"/>
-                </a:solidFill>
-                <a:effectLst>
-                  <a:outerShdw blurRad="38100" dist="38100" dir="2700000" algn="tl">
-                    <a:srgbClr val="000000">
-                      <a:alpha val="43137"/>
-                    </a:srgbClr>
-                  </a:outerShdw>
-                </a:effectLst>
-                <a:latin typeface="Helvetica" panose="020B0604020202020204" pitchFamily="34" charset="0"/>
-                <a:cs typeface="Helvetica" panose="020B0604020202020204" pitchFamily="34" charset="0"/>
-              </a:rPr>
-              <a:t>C++ </a:t>
-            </a:r>
-            <a:r>
-              <a:rPr lang="ru-RU" sz="3200" b="0" u="sng" dirty="0" smtClean="0">
-                <a:solidFill>
-                  <a:schemeClr val="tx1"/>
-                </a:solidFill>
-                <a:effectLst>
-                  <a:outerShdw blurRad="38100" dist="38100" dir="2700000" algn="tl">
-                    <a:srgbClr val="000000">
-                      <a:alpha val="43137"/>
-                    </a:srgbClr>
-                  </a:outerShdw>
-                </a:effectLst>
-                <a:latin typeface="Helvetica" panose="020B0604020202020204" pitchFamily="34" charset="0"/>
-                <a:cs typeface="Helvetica" panose="020B0604020202020204" pitchFamily="34" charset="0"/>
-              </a:rPr>
-              <a:t>«Абитуриент Колледжа»</a:t>
+              <a:t>Программное приложение по рассылке расписания занятий студентам по SMS на языке С#</a:t>
             </a:r>
             <a:endParaRPr lang="ru-RU" sz="3200" b="0" u="sng" dirty="0">
               <a:solidFill>
@@ -4329,14 +4208,113 @@
           <a:p>
             <a:pPr algn="r"/>
             <a:r>
-              <a:rPr lang="ru-RU" sz="1600" dirty="0" smtClean="0">
+              <a:rPr lang="ru-RU" sz="1600" dirty="0">
                 <a:solidFill>
                   <a:schemeClr val="tx1"/>
                 </a:solidFill>
                 <a:latin typeface="Helvetica" panose="020B0604020202020204" pitchFamily="34" charset="0"/>
                 <a:cs typeface="Helvetica" panose="020B0604020202020204" pitchFamily="34" charset="0"/>
               </a:rPr>
-              <a:t>Руководитель курсового проекта Володин</a:t>
+              <a:t>Руководитель курсового проекта Морозова М</a:t>
+            </a:r>
+            <a:r>
+              <a:rPr lang="en-US" sz="1600" dirty="0">
+                <a:solidFill>
+                  <a:schemeClr val="tx1"/>
+                </a:solidFill>
+                <a:latin typeface="Helvetica" panose="020B0604020202020204" pitchFamily="34" charset="0"/>
+                <a:cs typeface="Helvetica" panose="020B0604020202020204" pitchFamily="34" charset="0"/>
+              </a:rPr>
+              <a:t>.</a:t>
+            </a:r>
+            <a:r>
+              <a:rPr lang="ru-RU" sz="1600" dirty="0">
+                <a:solidFill>
+                  <a:schemeClr val="tx1"/>
+                </a:solidFill>
+                <a:latin typeface="Helvetica" panose="020B0604020202020204" pitchFamily="34" charset="0"/>
+                <a:cs typeface="Helvetica" panose="020B0604020202020204" pitchFamily="34" charset="0"/>
+              </a:rPr>
+              <a:t>В</a:t>
+            </a:r>
+            <a:r>
+              <a:rPr lang="en-US" sz="1600" dirty="0">
+                <a:solidFill>
+                  <a:schemeClr val="tx1"/>
+                </a:solidFill>
+                <a:latin typeface="Helvetica" panose="020B0604020202020204" pitchFamily="34" charset="0"/>
+                <a:cs typeface="Helvetica" panose="020B0604020202020204" pitchFamily="34" charset="0"/>
+              </a:rPr>
+              <a:t>.</a:t>
+            </a:r>
+            <a:br>
+              <a:rPr lang="ru-RU" sz="1600" dirty="0">
+                <a:solidFill>
+                  <a:schemeClr val="tx1"/>
+                </a:solidFill>
+                <a:latin typeface="Helvetica" panose="020B0604020202020204" pitchFamily="34" charset="0"/>
+                <a:cs typeface="Helvetica" panose="020B0604020202020204" pitchFamily="34" charset="0"/>
+              </a:rPr>
+            </a:br>
+            <a:r>
+              <a:rPr lang="ru-RU" sz="1600" dirty="0">
+                <a:solidFill>
+                  <a:schemeClr val="tx1"/>
+                </a:solidFill>
+                <a:latin typeface="Helvetica" panose="020B0604020202020204" pitchFamily="34" charset="0"/>
+                <a:cs typeface="Helvetica" panose="020B0604020202020204" pitchFamily="34" charset="0"/>
+              </a:rPr>
+              <a:t>Исполнитель курсового проекта </a:t>
+            </a:r>
+            <a:r>
+              <a:rPr lang="ru-RU" sz="1600" dirty="0" err="1">
+                <a:solidFill>
+                  <a:schemeClr val="tx1"/>
+                </a:solidFill>
+                <a:latin typeface="Helvetica" panose="020B0604020202020204" pitchFamily="34" charset="0"/>
+                <a:cs typeface="Helvetica" panose="020B0604020202020204" pitchFamily="34" charset="0"/>
+              </a:rPr>
+              <a:t>Деменчук</a:t>
+            </a:r>
+            <a:r>
+              <a:rPr lang="ru-RU" sz="1600" dirty="0">
+                <a:solidFill>
+                  <a:schemeClr val="tx1"/>
+                </a:solidFill>
+                <a:latin typeface="Helvetica" panose="020B0604020202020204" pitchFamily="34" charset="0"/>
+                <a:cs typeface="Helvetica" panose="020B0604020202020204" pitchFamily="34" charset="0"/>
+              </a:rPr>
+              <a:t> Г</a:t>
+            </a:r>
+            <a:r>
+              <a:rPr lang="en-US" sz="1600" dirty="0">
+                <a:solidFill>
+                  <a:schemeClr val="tx1"/>
+                </a:solidFill>
+                <a:latin typeface="Helvetica" panose="020B0604020202020204" pitchFamily="34" charset="0"/>
+                <a:cs typeface="Helvetica" panose="020B0604020202020204" pitchFamily="34" charset="0"/>
+              </a:rPr>
+              <a:t>.</a:t>
+            </a:r>
+            <a:r>
+              <a:rPr lang="ru-RU" sz="1600" dirty="0">
+                <a:solidFill>
+                  <a:schemeClr val="tx1"/>
+                </a:solidFill>
+                <a:latin typeface="Helvetica" panose="020B0604020202020204" pitchFamily="34" charset="0"/>
+                <a:cs typeface="Helvetica" panose="020B0604020202020204" pitchFamily="34" charset="0"/>
+              </a:rPr>
+              <a:t>М</a:t>
+            </a:r>
+            <a:r>
+              <a:rPr lang="en-US" sz="1600" dirty="0">
+                <a:solidFill>
+                  <a:schemeClr val="tx1"/>
+                </a:solidFill>
+                <a:latin typeface="Helvetica" panose="020B0604020202020204" pitchFamily="34" charset="0"/>
+                <a:cs typeface="Helvetica" panose="020B0604020202020204" pitchFamily="34" charset="0"/>
+              </a:rPr>
+              <a:t>.</a:t>
             </a:r>
             <a:r>
               <a:rPr lang="ru-RU" sz="1600" dirty="0">
@@ -4348,132 +4326,6 @@
               </a:rPr>
               <a:t> </a:t>
             </a:r>
-            <a:r>
-              <a:rPr lang="en-US" sz="1600" dirty="0" smtClean="0">
-                <a:solidFill>
-                  <a:schemeClr val="tx1"/>
-                </a:solidFill>
-                <a:latin typeface="Helvetica" panose="020B0604020202020204" pitchFamily="34" charset="0"/>
-                <a:cs typeface="Helvetica" panose="020B0604020202020204" pitchFamily="34" charset="0"/>
-              </a:rPr>
-              <a:t>C.</a:t>
-            </a:r>
-            <a:r>
-              <a:rPr lang="ru-RU" sz="1600" dirty="0" smtClean="0">
-                <a:solidFill>
-                  <a:schemeClr val="tx1"/>
-                </a:solidFill>
-                <a:latin typeface="Helvetica" panose="020B0604020202020204" pitchFamily="34" charset="0"/>
-                <a:cs typeface="Helvetica" panose="020B0604020202020204" pitchFamily="34" charset="0"/>
-              </a:rPr>
-              <a:t>М</a:t>
-            </a:r>
-            <a:r>
-              <a:rPr lang="en-US" sz="1600" dirty="0" smtClean="0">
-                <a:solidFill>
-                  <a:schemeClr val="tx1"/>
-                </a:solidFill>
-                <a:latin typeface="Helvetica" panose="020B0604020202020204" pitchFamily="34" charset="0"/>
-                <a:cs typeface="Helvetica" panose="020B0604020202020204" pitchFamily="34" charset="0"/>
-              </a:rPr>
-              <a:t>.</a:t>
-            </a:r>
-            <a:r>
-              <a:rPr lang="ru-RU" sz="1600" dirty="0" smtClean="0">
-                <a:solidFill>
-                  <a:schemeClr val="tx1"/>
-                </a:solidFill>
-                <a:latin typeface="Helvetica" panose="020B0604020202020204" pitchFamily="34" charset="0"/>
-                <a:cs typeface="Helvetica" panose="020B0604020202020204" pitchFamily="34" charset="0"/>
-              </a:rPr>
-              <a:t/>
-            </a:r>
-            <a:br>
-              <a:rPr lang="ru-RU" sz="1600" dirty="0" smtClean="0">
-                <a:solidFill>
-                  <a:schemeClr val="tx1"/>
-                </a:solidFill>
-                <a:latin typeface="Helvetica" panose="020B0604020202020204" pitchFamily="34" charset="0"/>
-                <a:cs typeface="Helvetica" panose="020B0604020202020204" pitchFamily="34" charset="0"/>
-              </a:rPr>
-            </a:br>
-            <a:r>
-              <a:rPr lang="ru-RU" sz="1600" dirty="0" smtClean="0">
-                <a:solidFill>
-                  <a:schemeClr val="tx1"/>
-                </a:solidFill>
-                <a:latin typeface="Helvetica" panose="020B0604020202020204" pitchFamily="34" charset="0"/>
-                <a:cs typeface="Helvetica" panose="020B0604020202020204" pitchFamily="34" charset="0"/>
-              </a:rPr>
-              <a:t>Исполнитель курсового проекта </a:t>
-            </a:r>
-            <a:r>
-              <a:rPr lang="ru-RU" sz="1600" dirty="0" err="1" smtClean="0">
-                <a:solidFill>
-                  <a:schemeClr val="tx1"/>
-                </a:solidFill>
-                <a:latin typeface="Helvetica" panose="020B0604020202020204" pitchFamily="34" charset="0"/>
-                <a:cs typeface="Helvetica" panose="020B0604020202020204" pitchFamily="34" charset="0"/>
-              </a:rPr>
-              <a:t>Деменчук</a:t>
-            </a:r>
-            <a:r>
-              <a:rPr lang="ru-RU" sz="1600" dirty="0" smtClean="0">
-                <a:solidFill>
-                  <a:schemeClr val="tx1"/>
-                </a:solidFill>
-                <a:latin typeface="Helvetica" panose="020B0604020202020204" pitchFamily="34" charset="0"/>
-                <a:cs typeface="Helvetica" panose="020B0604020202020204" pitchFamily="34" charset="0"/>
-              </a:rPr>
-              <a:t> Г</a:t>
-            </a:r>
-            <a:r>
-              <a:rPr lang="en-US" sz="1600" dirty="0" smtClean="0">
-                <a:solidFill>
-                  <a:schemeClr val="tx1"/>
-                </a:solidFill>
-                <a:latin typeface="Helvetica" panose="020B0604020202020204" pitchFamily="34" charset="0"/>
-                <a:cs typeface="Helvetica" panose="020B0604020202020204" pitchFamily="34" charset="0"/>
-              </a:rPr>
-              <a:t>.</a:t>
-            </a:r>
-            <a:r>
-              <a:rPr lang="ru-RU" sz="1600" dirty="0" smtClean="0">
-                <a:solidFill>
-                  <a:schemeClr val="tx1"/>
-                </a:solidFill>
-                <a:latin typeface="Helvetica" panose="020B0604020202020204" pitchFamily="34" charset="0"/>
-                <a:cs typeface="Helvetica" panose="020B0604020202020204" pitchFamily="34" charset="0"/>
-              </a:rPr>
-              <a:t>М</a:t>
-            </a:r>
-            <a:r>
-              <a:rPr lang="en-US" sz="1600" dirty="0" smtClean="0">
-                <a:solidFill>
-                  <a:schemeClr val="tx1"/>
-                </a:solidFill>
-                <a:latin typeface="Helvetica" panose="020B0604020202020204" pitchFamily="34" charset="0"/>
-                <a:cs typeface="Helvetica" panose="020B0604020202020204" pitchFamily="34" charset="0"/>
-              </a:rPr>
-              <a:t>.</a:t>
-            </a:r>
-            <a:r>
-              <a:rPr lang="ru-RU" sz="1600" dirty="0" smtClean="0">
-                <a:solidFill>
-                  <a:schemeClr val="tx1"/>
-                </a:solidFill>
-                <a:latin typeface="Helvetica" panose="020B0604020202020204" pitchFamily="34" charset="0"/>
-                <a:cs typeface="Helvetica" panose="020B0604020202020204" pitchFamily="34" charset="0"/>
-              </a:rPr>
-              <a:t> </a:t>
-            </a:r>
-            <a:endParaRPr lang="ru-RU" sz="1600" dirty="0">
-              <a:solidFill>
-                <a:schemeClr val="tx1"/>
-              </a:solidFill>
-              <a:latin typeface="Helvetica" panose="020B0604020202020204" pitchFamily="34" charset="0"/>
-              <a:cs typeface="Helvetica" panose="020B0604020202020204" pitchFamily="34" charset="0"/>
-            </a:endParaRPr>
           </a:p>
         </p:txBody>
       </p:sp>
@@ -4520,23 +4372,6 @@
           <a:p>
             <a:pPr algn="ctr"/>
             <a:r>
-              <a:rPr lang="ru-RU" sz="2000" b="0" dirty="0" smtClean="0">
-                <a:solidFill>
-                  <a:schemeClr val="tx1"/>
-                </a:solidFill>
-                <a:effectLst>
-                  <a:outerShdw blurRad="38100" dist="38100" dir="2700000" algn="tl">
-                    <a:srgbClr val="000000">
-                      <a:alpha val="43137"/>
-                    </a:srgbClr>
-                  </a:outerShdw>
-                </a:effectLst>
-                <a:latin typeface="Helvetica" panose="020B0604020202020204" pitchFamily="34" charset="0"/>
-                <a:cs typeface="Helvetica" panose="020B0604020202020204" pitchFamily="34" charset="0"/>
-              </a:rPr>
-              <a:t>Федеральное государственное образовательное бюджетное учреждение </a:t>
-            </a:r>
-            <a:r>
               <a:rPr lang="ru-RU" sz="2000" b="0" dirty="0">
                 <a:solidFill>
                   <a:schemeClr val="tx1"/>
@@ -4551,30 +4386,13 @@
                 <a:latin typeface="Helvetica" panose="020B0604020202020204" pitchFamily="34" charset="0"/>
                 <a:cs typeface="Helvetica" panose="020B0604020202020204" pitchFamily="34" charset="0"/>
               </a:rPr>
-              <a:t>высшего образования </a:t>
-            </a:r>
-            <a:r>
-              <a:rPr lang="ru-RU" sz="2000" b="0" dirty="0" smtClean="0">
-                <a:solidFill>
-                  <a:schemeClr val="tx1"/>
-                </a:solidFill>
-                <a:effectLst>
-                  <a:outerShdw blurRad="38100" dist="38100" dir="2700000" algn="tl">
-                    <a:srgbClr val="000000">
-                      <a:alpha val="43137"/>
-                    </a:srgbClr>
-                  </a:outerShdw>
-                </a:effectLst>
-                <a:latin typeface="Helvetica" panose="020B0604020202020204" pitchFamily="34" charset="0"/>
-                <a:cs typeface="Helvetica" panose="020B0604020202020204" pitchFamily="34" charset="0"/>
-              </a:rPr>
-              <a:t>«Финансовый университет при Правительстве Российской Федерации»</a:t>
+              <a:t>Федеральное государственное образовательное бюджетное учреждение высшего образования «Финансовый университет при Правительстве Российской Федерации»</a:t>
             </a:r>
           </a:p>
           <a:p>
             <a:pPr algn="ctr"/>
             <a:r>
-              <a:rPr lang="ru-RU" sz="2000" b="0" smtClean="0">
+              <a:rPr lang="ru-RU" sz="2000" b="0">
                 <a:solidFill>
                   <a:schemeClr val="tx1"/>
                 </a:solidFill>
@@ -4591,7 +4409,7 @@
               <a:t>КОЛЛЕДЖ ИНФОРМАТИКИ </a:t>
             </a:r>
             <a:r>
-              <a:rPr lang="ru-RU" sz="2000" b="0" dirty="0" smtClean="0">
+              <a:rPr lang="ru-RU" sz="2000" b="0" dirty="0">
                 <a:solidFill>
                   <a:schemeClr val="tx1"/>
                 </a:solidFill>
@@ -4607,20 +4425,6 @@
               </a:rPr>
               <a:t>И ПРОГРАММИРОВАНИЯ</a:t>
             </a:r>
-            <a:endParaRPr lang="ru-RU" sz="2000" b="0" dirty="0">
-              <a:solidFill>
-                <a:schemeClr val="tx1"/>
-              </a:solidFill>
-              <a:effectLst>
-                <a:outerShdw blurRad="38100" dist="38100" dir="2700000" algn="tl">
-                  <a:srgbClr val="000000">
-                    <a:alpha val="43137"/>
-                  </a:srgbClr>
-                </a:outerShdw>
-              </a:effectLst>
-              <a:latin typeface="Helvetica" panose="020B0604020202020204" pitchFamily="34" charset="0"/>
-              <a:cs typeface="Helvetica" panose="020B0604020202020204" pitchFamily="34" charset="0"/>
-            </a:endParaRPr>
           </a:p>
         </p:txBody>
       </p:sp>
@@ -4893,7 +4697,7 @@
           <a:p>
             <a:pPr algn="ctr"/>
             <a:r>
-              <a:rPr lang="en-US" sz="1800" dirty="0" smtClean="0">
+              <a:rPr lang="en-US" sz="1800" dirty="0">
                 <a:solidFill>
                   <a:schemeClr val="tx1"/>
                 </a:solidFill>
@@ -4903,7 +4707,7 @@
               <a:t>201</a:t>
             </a:r>
             <a:r>
-              <a:rPr lang="ru-RU" sz="1800" dirty="0" smtClean="0">
+              <a:rPr lang="ru-RU" sz="1800" dirty="0">
                 <a:solidFill>
                   <a:schemeClr val="tx1"/>
                 </a:solidFill>
@@ -4912,13 +4716,6 @@
               </a:rPr>
               <a:t>8 </a:t>
             </a:r>
-            <a:endParaRPr lang="ru-RU" sz="1800" dirty="0">
-              <a:solidFill>
-                <a:schemeClr val="tx1"/>
-              </a:solidFill>
-              <a:latin typeface="Helvetica" panose="020B0604020202020204" pitchFamily="34" charset="0"/>
-              <a:cs typeface="Helvetica" panose="020B0604020202020204" pitchFamily="34" charset="0"/>
-            </a:endParaRPr>
           </a:p>
         </p:txBody>
       </p:sp>
@@ -4940,13 +4737,6 @@
       <p:transition/>
     </mc:Fallback>
   </mc:AlternateContent>
-  <p:timing>
-    <p:tnLst>
-      <p:par>
-        <p:cTn id="1" dur="indefinite" restart="never" nodeType="tmRoot"/>
-      </p:par>
-    </p:tnLst>
-  </p:timing>
 </p:sld>
 </file>
 
@@ -4990,7 +4780,7 @@
           <a:lstStyle/>
           <a:p>
             <a:r>
-              <a:rPr lang="ru-RU" sz="4000" dirty="0" smtClean="0"/>
+              <a:rPr lang="ru-RU" sz="4000" dirty="0"/>
               <a:t>Достоинства проекта</a:t>
             </a:r>
             <a:endParaRPr lang="ru-RU" sz="4000" b="0" dirty="0">
@@ -5021,7 +4811,7 @@
         </p:spPr>
         <p:txBody>
           <a:bodyPr>
-            <a:normAutofit fontScale="92500" lnSpcReduction="20000"/>
+            <a:normAutofit fontScale="92500" lnSpcReduction="10000"/>
           </a:bodyPr>
           <a:lstStyle/>
           <a:p>
@@ -5031,48 +4821,37 @@
             </a:pPr>
             <a:r>
               <a:rPr lang="ru-RU" sz="2800" dirty="0"/>
-              <a:t>За счет </a:t>
+              <a:t>Использование библиотек </a:t>
             </a:r>
             <a:r>
               <a:rPr lang="en-US" sz="2800" dirty="0"/>
-              <a:t>C</a:t>
+              <a:t>OpenCV </a:t>
             </a:r>
             <a:r>
               <a:rPr lang="ru-RU" sz="2800" dirty="0"/>
-              <a:t>++/</a:t>
+              <a:t>и </a:t>
             </a:r>
             <a:r>
               <a:rPr lang="en-US" sz="2800" dirty="0"/>
-              <a:t>CLI</a:t>
+              <a:t>Tesseract OCR </a:t>
             </a:r>
             <a:r>
               <a:rPr lang="ru-RU" sz="2800" dirty="0"/>
-              <a:t> </a:t>
-            </a:r>
-            <a:r>
-              <a:rPr lang="ru-RU" sz="2800" dirty="0" err="1"/>
-              <a:t>c</a:t>
+              <a:t>на </a:t>
+            </a:r>
+            <a:r>
+              <a:rPr lang="en-US" sz="2800" dirty="0"/>
+              <a:t>backend-</a:t>
             </a:r>
             <a:r>
               <a:rPr lang="ru-RU" sz="2800" dirty="0"/>
-              <a:t> </a:t>
+              <a:t>сервере для обработки и распознавания текста изменений расписания</a:t>
             </a:r>
             <a:r>
               <a:rPr lang="en-US" sz="2800" dirty="0"/>
-              <a:t>Windows Forms </a:t>
-            </a:r>
-            <a:r>
-              <a:rPr lang="ru-RU" sz="2800" dirty="0"/>
-              <a:t>стало возможным реализовать интуитивно понятный интерфейс для взаимодействия с пользователем</a:t>
-            </a:r>
-            <a:r>
-              <a:rPr lang="en-US" sz="2800" dirty="0"/>
-              <a:t>. </a:t>
-            </a:r>
-            <a:r>
-              <a:rPr lang="ru-RU" sz="2800" dirty="0"/>
-              <a:t>Для использования программы пользователю необходимы лишь основы работы с компьютером. </a:t>
-            </a:r>
+              <a:t>.</a:t>
+            </a:r>
+            <a:endParaRPr lang="ru-RU" sz="2800" dirty="0"/>
           </a:p>
           <a:p>
             <a:pPr marL="342900" indent="-342900">
@@ -5081,16 +4860,21 @@
             </a:pPr>
             <a:r>
               <a:rPr lang="ru-RU" sz="2800" dirty="0"/>
-              <a:t>Динамическое формирование отчетов в </a:t>
-            </a:r>
-            <a:r>
-              <a:rPr lang="en-US" sz="2800" dirty="0"/>
-              <a:t>Microsoft Office Word</a:t>
+              <a:t>Использование архитектуры клиент-серверного взаимодействия в виде REST API с помощью </a:t>
+            </a:r>
+            <a:r>
+              <a:rPr lang="ru-RU" sz="2800" dirty="0" err="1"/>
+              <a:t>фреймворка</a:t>
             </a:r>
             <a:r>
               <a:rPr lang="ru-RU" sz="2800" dirty="0"/>
-              <a:t>: пользователю предоставляется возможность выбора пунктов для вывода.</a:t>
-            </a:r>
+              <a:t> </a:t>
+            </a:r>
+            <a:r>
+              <a:rPr lang="ru-RU" sz="2800" dirty="0" err="1"/>
+              <a:t>Flask</a:t>
+            </a:r>
+            <a:endParaRPr lang="ru-RU" sz="2800" dirty="0"/>
           </a:p>
           <a:p>
             <a:pPr marL="342900" indent="-342900">
@@ -5099,27 +4883,42 @@
             </a:pPr>
             <a:r>
               <a:rPr lang="ru-RU" sz="2800" dirty="0"/>
-              <a:t>Использование компактной встраиваемой реляционной база данных </a:t>
-            </a:r>
-            <a:r>
-              <a:rPr lang="en-US" sz="2800" dirty="0"/>
+              <a:t>Использование сразу двух СУБД в виде </a:t>
+            </a:r>
+            <a:r>
+              <a:rPr lang="ru-RU" sz="2800" dirty="0" err="1"/>
               <a:t>SQLite</a:t>
             </a:r>
             <a:r>
               <a:rPr lang="ru-RU" sz="2800" dirty="0"/>
-              <a:t>3, которая идеально подходит для </a:t>
+              <a:t> на клиенте и </a:t>
             </a:r>
             <a:r>
               <a:rPr lang="ru-RU" sz="2800" dirty="0" err="1"/>
-              <a:t>портируемых</a:t>
+              <a:t>MySQL</a:t>
             </a:r>
             <a:r>
               <a:rPr lang="ru-RU" sz="2800" dirty="0"/>
-              <a:t> и не предназначенных для масштабирования приложений.</a:t>
-            </a:r>
-          </a:p>
-          <a:p>
-            <a:endParaRPr lang="ru-RU" sz="2800" dirty="0"/>
+              <a:t> на сервере</a:t>
+            </a:r>
+          </a:p>
+          <a:p>
+            <a:pPr marL="342900" indent="-342900">
+              <a:buFont typeface="+mj-lt"/>
+              <a:buAutoNum type="arabicPeriod"/>
+            </a:pPr>
+            <a:r>
+              <a:rPr lang="ru-RU" sz="2800" dirty="0"/>
+              <a:t>Использование асинхронных функций типа </a:t>
+            </a:r>
+            <a:r>
+              <a:rPr lang="ru-RU" sz="2800" dirty="0" err="1"/>
+              <a:t>async-await</a:t>
+            </a:r>
+            <a:r>
+              <a:rPr lang="ru-RU" sz="2800" dirty="0"/>
+              <a:t> и таймеров в для распараллеливания действий в программе</a:t>
+            </a:r>
           </a:p>
         </p:txBody>
       </p:sp>
@@ -5225,13 +5024,6 @@
       <p:transition/>
     </mc:Fallback>
   </mc:AlternateContent>
-  <p:timing>
-    <p:tnLst>
-      <p:par>
-        <p:cTn id="1" dur="indefinite" restart="never" nodeType="tmRoot"/>
-      </p:par>
-    </p:tnLst>
-  </p:timing>
 </p:sld>
 </file>
 
@@ -5275,21 +5067,20 @@
           <a:lstStyle/>
           <a:p>
             <a:r>
-              <a:rPr lang="ru-RU" sz="4000" b="0" dirty="0" smtClean="0">
-                <a:solidFill>
-                  <a:schemeClr val="tx1"/>
-                </a:solidFill>
-                <a:latin typeface="Helvetica" panose="020B0604020202020204" pitchFamily="34" charset="0"/>
-                <a:cs typeface="Helvetica" panose="020B0604020202020204" pitchFamily="34" charset="0"/>
-              </a:rPr>
-              <a:t>Результаты </a:t>
-            </a:r>
-            <a:r>
-              <a:rPr lang="ru-RU" sz="4000" dirty="0" smtClean="0">
-                <a:latin typeface="Helvetica" panose="020B0604020202020204" pitchFamily="34" charset="0"/>
-                <a:cs typeface="Helvetica" panose="020B0604020202020204" pitchFamily="34" charset="0"/>
-              </a:rPr>
-              <a:t>выполнения проекта</a:t>
+              <a:rPr lang="ru-RU" sz="4000" dirty="0"/>
+              <a:t>Технологии </a:t>
+            </a:r>
+            <a:r>
+              <a:rPr lang="en-US" sz="4000" dirty="0"/>
+              <a:t>OpenCV </a:t>
+            </a:r>
+            <a:r>
+              <a:rPr lang="ru-RU" sz="4000" dirty="0"/>
+              <a:t>и </a:t>
+            </a:r>
+            <a:r>
+              <a:rPr lang="en-US" sz="4000" dirty="0"/>
+              <a:t>Tesseract OCR</a:t>
             </a:r>
             <a:endParaRPr lang="ru-RU" sz="4000" b="0" dirty="0">
               <a:solidFill>
@@ -5301,114 +5092,81 @@
           </a:p>
         </p:txBody>
       </p:sp>
-      <p:sp>
-        <p:nvSpPr>
-          <p:cNvPr id="3" name="Объект 2"/>
-          <p:cNvSpPr>
-            <a:spLocks noGrp="1"/>
-          </p:cNvSpPr>
-          <p:nvPr>
-            <p:ph sz="half" idx="1"/>
-          </p:nvPr>
-        </p:nvSpPr>
+      <p:pic>
+        <p:nvPicPr>
+          <p:cNvPr id="5" name="Рисунок 4">
+            <a:extLst>
+              <a:ext uri="{FF2B5EF4-FFF2-40B4-BE49-F238E27FC236}">
+                <a16:creationId xmlns:a16="http://schemas.microsoft.com/office/drawing/2014/main" id="{4A8587A3-B8E7-1F42-913A-0FD41D04F6A7}"/>
+              </a:ext>
+            </a:extLst>
+          </p:cNvPr>
+          <p:cNvPicPr>
+            <a:picLocks noChangeAspect="1"/>
+          </p:cNvPicPr>
+          <p:nvPr/>
+        </p:nvPicPr>
+        <p:blipFill>
+          <a:blip r:embed="rId2">
+            <a:extLst>
+              <a:ext uri="{28A0092B-C50C-407E-A947-70E740481C1C}">
+                <a14:useLocalDpi xmlns:a14="http://schemas.microsoft.com/office/drawing/2010/main" val="0"/>
+              </a:ext>
+            </a:extLst>
+          </a:blip>
+          <a:stretch>
+            <a:fillRect/>
+          </a:stretch>
+        </p:blipFill>
         <p:spPr>
           <a:xfrm>
-            <a:off x="621804" y="1470148"/>
-            <a:ext cx="10225136" cy="4191000"/>
+            <a:off x="477788" y="1080632"/>
+            <a:ext cx="10270877" cy="5777368"/>
           </a:xfrm>
+          <a:prstGeom prst="rect">
+            <a:avLst/>
+          </a:prstGeom>
         </p:spPr>
-        <p:txBody>
-          <a:bodyPr>
-            <a:normAutofit/>
-          </a:bodyPr>
-          <a:lstStyle/>
-          <a:p>
-            <a:pPr marL="45720" indent="0">
-              <a:buNone/>
-            </a:pPr>
-            <a:r>
-              <a:rPr lang="ru-RU" sz="2500" dirty="0" smtClean="0"/>
-              <a:t>В ходе разработки программы были получены и усовершенствованы навыки работы со следующими составляющими</a:t>
-            </a:r>
-            <a:r>
-              <a:rPr lang="en-US" sz="2500" dirty="0" smtClean="0"/>
-              <a:t>:</a:t>
-            </a:r>
-            <a:endParaRPr lang="ru-RU" sz="2500" dirty="0" smtClean="0"/>
-          </a:p>
-          <a:p>
-            <a:pPr marL="388620" indent="-342900"/>
-            <a:r>
-              <a:rPr lang="ru-RU" sz="2500" dirty="0" smtClean="0"/>
-              <a:t>ЯП </a:t>
-            </a:r>
-            <a:r>
-              <a:rPr lang="en-US" sz="2500" dirty="0" smtClean="0"/>
-              <a:t>C++/CLI</a:t>
-            </a:r>
-            <a:endParaRPr lang="ru-RU" sz="2500" dirty="0"/>
-          </a:p>
-          <a:p>
-            <a:pPr marL="388620" indent="-342900"/>
-            <a:r>
-              <a:rPr lang="ru-RU" sz="2500" dirty="0" smtClean="0"/>
-              <a:t>СУБД </a:t>
-            </a:r>
-            <a:r>
-              <a:rPr lang="en-US" sz="2500" dirty="0" smtClean="0"/>
-              <a:t>SQLite3</a:t>
-            </a:r>
-            <a:endParaRPr lang="ru-RU" sz="2500" dirty="0" smtClean="0"/>
-          </a:p>
-          <a:p>
-            <a:pPr marL="388620" indent="-342900"/>
-            <a:r>
-              <a:rPr lang="ru-RU" sz="2500" dirty="0" smtClean="0"/>
-              <a:t>ООП</a:t>
-            </a:r>
-            <a:endParaRPr lang="ru-RU" sz="2500" dirty="0"/>
-          </a:p>
-          <a:p>
-            <a:pPr marL="45720" indent="0">
-              <a:buNone/>
-            </a:pPr>
-            <a:r>
-              <a:rPr lang="ru-RU" sz="2500" dirty="0" smtClean="0"/>
-              <a:t>Цели </a:t>
-            </a:r>
-            <a:r>
-              <a:rPr lang="ru-RU" sz="2500" dirty="0"/>
-              <a:t>и задачи, поставленные при выполнении курсового проекта, выполнены с соблюдением всех предъявленных </a:t>
-            </a:r>
-            <a:r>
-              <a:rPr lang="ru-RU" sz="2500" dirty="0" smtClean="0"/>
-              <a:t>требований</a:t>
-            </a:r>
-            <a:r>
-              <a:rPr lang="en-US" sz="2500" dirty="0"/>
-              <a:t> </a:t>
-            </a:r>
-            <a:r>
-              <a:rPr lang="ru-RU" sz="2500" dirty="0" smtClean="0"/>
-              <a:t>в установленные сроки</a:t>
-            </a:r>
-            <a:r>
-              <a:rPr lang="en-US" sz="2500" dirty="0" smtClean="0"/>
-              <a:t>. </a:t>
-            </a:r>
-            <a:endParaRPr lang="ru-RU" sz="2500" dirty="0"/>
-          </a:p>
-          <a:p>
-            <a:pPr marL="45720" indent="0">
-              <a:buNone/>
-            </a:pPr>
-            <a:endParaRPr lang="ru-RU" sz="2500" dirty="0">
-              <a:solidFill>
-                <a:schemeClr val="tx1"/>
-              </a:solidFill>
-              <a:latin typeface="Helvetica" panose="020B0604020202020204" pitchFamily="34" charset="0"/>
-              <a:cs typeface="Helvetica" panose="020B0604020202020204" pitchFamily="34" charset="0"/>
-            </a:endParaRPr>
+      </p:pic>
+      <p:sp>
+        <p:nvSpPr>
+          <p:cNvPr id="7" name="Управляющая кнопка: назад 6">
+            <a:hlinkClick r:id="" action="ppaction://hlinkshowjump?jump=previousslide" highlightClick="1"/>
+          </p:cNvPr>
+          <p:cNvSpPr/>
+          <p:nvPr/>
+        </p:nvSpPr>
+        <p:spPr>
+          <a:xfrm>
+            <a:off x="8640145" y="6017356"/>
+            <a:ext cx="1224136" cy="504056"/>
+          </a:xfrm>
+          <a:prstGeom prst="actionButtonBackPrevious">
+            <a:avLst/>
+          </a:prstGeom>
+        </p:spPr>
+        <p:style>
+          <a:lnRef idx="2">
+            <a:schemeClr val="accent1">
+              <a:shade val="50000"/>
+            </a:schemeClr>
+          </a:lnRef>
+          <a:fillRef idx="1">
+            <a:schemeClr val="accent1"/>
+          </a:fillRef>
+          <a:effectRef idx="0">
+            <a:schemeClr val="accent1"/>
+          </a:effectRef>
+          <a:fontRef idx="minor">
+            <a:schemeClr val="lt1"/>
+          </a:fontRef>
+        </p:style>
+        <p:txBody>
+          <a:bodyPr rtlCol="0" anchor="ctr"/>
+          <a:lstStyle/>
+          <a:p>
+            <a:pPr algn="ctr"/>
+            <a:endParaRPr lang="ru-RU"/>
           </a:p>
         </p:txBody>
       </p:sp>
@@ -5454,6 +5212,237 @@
           </a:p>
         </p:txBody>
       </p:sp>
+    </p:spTree>
+    <p:extLst>
+      <p:ext uri="{BB962C8B-B14F-4D97-AF65-F5344CB8AC3E}">
+        <p14:creationId xmlns:p14="http://schemas.microsoft.com/office/powerpoint/2010/main" val="415735743"/>
+      </p:ext>
+    </p:extLst>
+  </p:cSld>
+  <p:clrMapOvr>
+    <a:masterClrMapping/>
+  </p:clrMapOvr>
+  <mc:AlternateContent xmlns:mc="http://schemas.openxmlformats.org/markup-compatibility/2006" xmlns:p14="http://schemas.microsoft.com/office/powerpoint/2010/main">
+    <mc:Choice Requires="p14">
+      <p:transition p14:dur="0"/>
+    </mc:Choice>
+    <mc:Fallback xmlns="">
+      <p:transition/>
+    </mc:Fallback>
+  </mc:AlternateContent>
+</p:sld>
+</file>
+
+<file path=ppt/slides/slide12.xml><?xml version="1.0" encoding="utf-8"?>
+<p:sld xmlns:a="http://schemas.openxmlformats.org/drawingml/2006/main" xmlns:r="http://schemas.openxmlformats.org/officeDocument/2006/relationships" xmlns:p="http://schemas.openxmlformats.org/presentationml/2006/main">
+  <p:cSld>
+    <p:spTree>
+      <p:nvGrpSpPr>
+        <p:cNvPr id="1" name=""/>
+        <p:cNvGrpSpPr/>
+        <p:nvPr/>
+      </p:nvGrpSpPr>
+      <p:grpSpPr>
+        <a:xfrm>
+          <a:off x="0" y="0"/>
+          <a:ext cx="0" cy="0"/>
+          <a:chOff x="0" y="0"/>
+          <a:chExt cx="0" cy="0"/>
+        </a:xfrm>
+      </p:grpSpPr>
+      <p:sp>
+        <p:nvSpPr>
+          <p:cNvPr id="2" name="Заголовок 1"/>
+          <p:cNvSpPr>
+            <a:spLocks noGrp="1"/>
+          </p:cNvSpPr>
+          <p:nvPr>
+            <p:ph type="title"/>
+          </p:nvPr>
+        </p:nvSpPr>
+        <p:spPr>
+          <a:xfrm>
+            <a:off x="621804" y="188640"/>
+            <a:ext cx="11206980" cy="943398"/>
+          </a:xfrm>
+        </p:spPr>
+        <p:txBody>
+          <a:bodyPr>
+            <a:normAutofit/>
+          </a:bodyPr>
+          <a:lstStyle/>
+          <a:p>
+            <a:r>
+              <a:rPr lang="ru-RU" sz="4000" b="0" dirty="0">
+                <a:solidFill>
+                  <a:schemeClr val="tx1"/>
+                </a:solidFill>
+                <a:latin typeface="Helvetica" panose="020B0604020202020204" pitchFamily="34" charset="0"/>
+                <a:cs typeface="Helvetica" panose="020B0604020202020204" pitchFamily="34" charset="0"/>
+              </a:rPr>
+              <a:t>Результаты </a:t>
+            </a:r>
+            <a:r>
+              <a:rPr lang="ru-RU" sz="4000" dirty="0">
+                <a:latin typeface="Helvetica" panose="020B0604020202020204" pitchFamily="34" charset="0"/>
+                <a:cs typeface="Helvetica" panose="020B0604020202020204" pitchFamily="34" charset="0"/>
+              </a:rPr>
+              <a:t>выполнения проекта</a:t>
+            </a:r>
+            <a:endParaRPr lang="ru-RU" sz="4000" b="0" dirty="0">
+              <a:solidFill>
+                <a:schemeClr val="tx1"/>
+              </a:solidFill>
+              <a:latin typeface="Helvetica" panose="020B0604020202020204" pitchFamily="34" charset="0"/>
+              <a:cs typeface="Helvetica" panose="020B0604020202020204" pitchFamily="34" charset="0"/>
+            </a:endParaRPr>
+          </a:p>
+        </p:txBody>
+      </p:sp>
+      <p:sp>
+        <p:nvSpPr>
+          <p:cNvPr id="3" name="Объект 2"/>
+          <p:cNvSpPr>
+            <a:spLocks noGrp="1"/>
+          </p:cNvSpPr>
+          <p:nvPr>
+            <p:ph sz="half" idx="1"/>
+          </p:nvPr>
+        </p:nvSpPr>
+        <p:spPr>
+          <a:xfrm>
+            <a:off x="621804" y="1470148"/>
+            <a:ext cx="10225136" cy="4191000"/>
+          </a:xfrm>
+        </p:spPr>
+        <p:txBody>
+          <a:bodyPr>
+            <a:normAutofit/>
+          </a:bodyPr>
+          <a:lstStyle/>
+          <a:p>
+            <a:pPr marL="45720" indent="0">
+              <a:buNone/>
+            </a:pPr>
+            <a:r>
+              <a:rPr lang="ru-RU" sz="2500" dirty="0"/>
+              <a:t>В ходе разработки программы были получены и усовершенствованы навыки работы со следующими составляющими</a:t>
+            </a:r>
+            <a:r>
+              <a:rPr lang="en-US" sz="2500" dirty="0"/>
+              <a:t>:</a:t>
+            </a:r>
+            <a:endParaRPr lang="ru-RU" sz="2500" dirty="0"/>
+          </a:p>
+          <a:p>
+            <a:pPr marL="388620" indent="-342900"/>
+            <a:r>
+              <a:rPr lang="ru-RU" sz="2500" dirty="0"/>
+              <a:t>ЯП </a:t>
+            </a:r>
+            <a:r>
+              <a:rPr lang="en-US" sz="2500" dirty="0"/>
+              <a:t>C++/CLI</a:t>
+            </a:r>
+            <a:endParaRPr lang="ru-RU" sz="2500" dirty="0"/>
+          </a:p>
+          <a:p>
+            <a:pPr marL="388620" indent="-342900"/>
+            <a:r>
+              <a:rPr lang="ru-RU" sz="2500" dirty="0"/>
+              <a:t>СУБД </a:t>
+            </a:r>
+            <a:r>
+              <a:rPr lang="en-US" sz="2500" dirty="0"/>
+              <a:t>SQLite3</a:t>
+            </a:r>
+            <a:endParaRPr lang="ru-RU" sz="2500" dirty="0"/>
+          </a:p>
+          <a:p>
+            <a:pPr marL="388620" indent="-342900"/>
+            <a:r>
+              <a:rPr lang="ru-RU" sz="2500" dirty="0"/>
+              <a:t>ООП</a:t>
+            </a:r>
+          </a:p>
+          <a:p>
+            <a:pPr marL="45720" indent="0">
+              <a:buNone/>
+            </a:pPr>
+            <a:r>
+              <a:rPr lang="ru-RU" sz="2500" dirty="0"/>
+              <a:t>Цели и задачи, поставленные при выполнении курсового проекта, выполнены с соблюдением всех предъявленных требований</a:t>
+            </a:r>
+            <a:r>
+              <a:rPr lang="en-US" sz="2500" dirty="0"/>
+              <a:t> </a:t>
+            </a:r>
+            <a:r>
+              <a:rPr lang="ru-RU" sz="2500" dirty="0"/>
+              <a:t>в установленные сроки</a:t>
+            </a:r>
+            <a:r>
+              <a:rPr lang="en-US" sz="2500" dirty="0"/>
+              <a:t>. </a:t>
+            </a:r>
+            <a:endParaRPr lang="ru-RU" sz="2500" dirty="0"/>
+          </a:p>
+          <a:p>
+            <a:pPr marL="45720" indent="0">
+              <a:buNone/>
+            </a:pPr>
+            <a:endParaRPr lang="ru-RU" sz="2500" dirty="0">
+              <a:solidFill>
+                <a:schemeClr val="tx1"/>
+              </a:solidFill>
+              <a:latin typeface="Helvetica" panose="020B0604020202020204" pitchFamily="34" charset="0"/>
+              <a:cs typeface="Helvetica" panose="020B0604020202020204" pitchFamily="34" charset="0"/>
+            </a:endParaRPr>
+          </a:p>
+        </p:txBody>
+      </p:sp>
+      <p:sp>
+        <p:nvSpPr>
+          <p:cNvPr id="6" name="Управляющая кнопка: далее 5">
+            <a:hlinkClick r:id="" action="ppaction://hlinkshowjump?jump=nextslide" highlightClick="1"/>
+          </p:cNvPr>
+          <p:cNvSpPr/>
+          <p:nvPr/>
+        </p:nvSpPr>
+        <p:spPr>
+          <a:xfrm>
+            <a:off x="9936289" y="6017356"/>
+            <a:ext cx="1224136" cy="504056"/>
+          </a:xfrm>
+          <a:prstGeom prst="actionButtonForwardNext">
+            <a:avLst/>
+          </a:prstGeom>
+        </p:spPr>
+        <p:style>
+          <a:lnRef idx="2">
+            <a:schemeClr val="accent1">
+              <a:shade val="50000"/>
+            </a:schemeClr>
+          </a:lnRef>
+          <a:fillRef idx="1">
+            <a:schemeClr val="accent1"/>
+          </a:fillRef>
+          <a:effectRef idx="0">
+            <a:schemeClr val="accent1"/>
+          </a:effectRef>
+          <a:fontRef idx="minor">
+            <a:schemeClr val="lt1"/>
+          </a:fontRef>
+        </p:style>
+        <p:txBody>
+          <a:bodyPr rtlCol="0" anchor="ctr"/>
+          <a:lstStyle/>
+          <a:p>
+            <a:pPr algn="ctr"/>
+            <a:endParaRPr lang="ru-RU"/>
+          </a:p>
+        </p:txBody>
+      </p:sp>
       <p:sp>
         <p:nvSpPr>
           <p:cNvPr id="7" name="Управляющая кнопка: назад 6">
@@ -5514,17 +5503,10 @@
       <p:transition/>
     </mc:Fallback>
   </mc:AlternateContent>
-  <p:timing>
-    <p:tnLst>
-      <p:par>
-        <p:cTn id="1" dur="indefinite" restart="never" nodeType="tmRoot"/>
-      </p:par>
-    </p:tnLst>
-  </p:timing>
 </p:sld>
 </file>
 
-<file path=ppt/slides/slide12.xml><?xml version="1.0" encoding="utf-8"?>
+<file path=ppt/slides/slide13.xml><?xml version="1.0" encoding="utf-8"?>
 <p:sld xmlns:a="http://schemas.openxmlformats.org/drawingml/2006/main" xmlns:r="http://schemas.openxmlformats.org/officeDocument/2006/relationships" xmlns:p="http://schemas.openxmlformats.org/presentationml/2006/main">
   <p:cSld>
     <p:spTree>
@@ -5567,7 +5549,7 @@
               <a:buNone/>
             </a:pPr>
             <a:r>
-              <a:rPr lang="ru-RU" sz="7200" dirty="0" smtClean="0">
+              <a:rPr lang="ru-RU" sz="7200" dirty="0">
                 <a:solidFill>
                   <a:schemeClr val="tx1"/>
                 </a:solidFill>
@@ -5577,7 +5559,7 @@
               <a:t>Спасибо </a:t>
             </a:r>
             <a:r>
-              <a:rPr lang="ru-RU" sz="7200" smtClean="0">
+              <a:rPr lang="ru-RU" sz="7200">
                 <a:solidFill>
                   <a:schemeClr val="tx1"/>
                 </a:solidFill>
@@ -5614,13 +5596,6 @@
       <p:transition/>
     </mc:Fallback>
   </mc:AlternateContent>
-  <p:timing>
-    <p:tnLst>
-      <p:par>
-        <p:cTn id="1" dur="indefinite" restart="never" nodeType="tmRoot"/>
-      </p:par>
-    </p:tnLst>
-  </p:timing>
 </p:sld>
 </file>
 
@@ -5659,7 +5634,7 @@
           <a:lstStyle/>
           <a:p>
             <a:r>
-              <a:rPr lang="ru-RU" sz="4000" b="0" dirty="0" smtClean="0">
+              <a:rPr lang="ru-RU" sz="4000" b="0" dirty="0">
                 <a:solidFill>
                   <a:schemeClr val="tx1"/>
                 </a:solidFill>
@@ -5668,13 +5643,6 @@
               </a:rPr>
               <a:t>Содержание</a:t>
             </a:r>
-            <a:endParaRPr lang="ru-RU" sz="4000" b="0" dirty="0">
-              <a:solidFill>
-                <a:schemeClr val="tx1"/>
-              </a:solidFill>
-              <a:latin typeface="Helvetica"/>
-              <a:cs typeface="Helvetica"/>
-            </a:endParaRPr>
           </a:p>
         </p:txBody>
       </p:sp>
@@ -5719,20 +5687,9 @@
                 <a:cs typeface="Helvetica"/>
                 <a:hlinkClick r:id="rId2" action="ppaction://hlinksldjump"/>
               </a:rPr>
-              <a:t>Цели курсового </a:t>
-            </a:r>
-            <a:r>
-              <a:rPr lang="ru-RU" sz="2400" dirty="0" smtClean="0">
-                <a:solidFill>
-                  <a:srgbClr val="000000"/>
-                </a:solidFill>
-                <a:latin typeface="Helvetica"/>
-                <a:cs typeface="Helvetica"/>
-                <a:hlinkClick r:id="rId2" action="ppaction://hlinksldjump"/>
-              </a:rPr>
-              <a:t>проекта</a:t>
-            </a:r>
-            <a:endParaRPr lang="ru-RU" sz="2400" dirty="0" smtClean="0">
+              <a:t>Цели курсового проекта</a:t>
+            </a:r>
+            <a:endParaRPr lang="ru-RU" sz="2400" dirty="0">
               <a:solidFill>
                 <a:srgbClr val="000000"/>
               </a:solidFill>
@@ -5752,7 +5709,7 @@
               <a:buSzTx/>
             </a:pPr>
             <a:r>
-              <a:rPr lang="ru-RU" sz="2400" dirty="0" smtClean="0">
+              <a:rPr lang="ru-RU" sz="2400" dirty="0">
                 <a:solidFill>
                   <a:srgbClr val="000000"/>
                 </a:solidFill>
@@ -5762,7 +5719,7 @@
               </a:rPr>
               <a:t>Задачи курсового проекта</a:t>
             </a:r>
-            <a:endParaRPr lang="ru-RU" sz="2400" dirty="0" smtClean="0">
+            <a:endParaRPr lang="ru-RU" sz="2400" dirty="0">
               <a:solidFill>
                 <a:srgbClr val="000000"/>
               </a:solidFill>
@@ -5790,20 +5747,9 @@
                 <a:cs typeface="Helvetica" panose="020B0604020202020204" pitchFamily="34" charset="0"/>
                 <a:hlinkClick r:id="rId4" action="ppaction://hlinksldjump"/>
               </a:rPr>
-              <a:t>Входные и выходные </a:t>
-            </a:r>
-            <a:r>
-              <a:rPr lang="ru-RU" sz="2400" dirty="0" smtClean="0">
-                <a:solidFill>
-                  <a:schemeClr val="tx1"/>
-                </a:solidFill>
-                <a:latin typeface="Helvetica" panose="020B0604020202020204" pitchFamily="34" charset="0"/>
-                <a:cs typeface="Helvetica" panose="020B0604020202020204" pitchFamily="34" charset="0"/>
-                <a:hlinkClick r:id="rId4" action="ppaction://hlinksldjump"/>
-              </a:rPr>
-              <a:t>данные</a:t>
-            </a:r>
-            <a:endParaRPr lang="ru-RU" sz="2400" dirty="0" smtClean="0">
+              <a:t>Входные и выходные данные</a:t>
+            </a:r>
+            <a:endParaRPr lang="ru-RU" sz="2400" dirty="0">
               <a:solidFill>
                 <a:schemeClr val="tx1"/>
               </a:solidFill>
@@ -5831,20 +5777,9 @@
                 <a:cs typeface="Helvetica" panose="020B0604020202020204" pitchFamily="34" charset="0"/>
                 <a:hlinkClick r:id="rId5" action="ppaction://hlinksldjump"/>
               </a:rPr>
-              <a:t>Информационная модель </a:t>
-            </a:r>
-            <a:r>
-              <a:rPr lang="ru-RU" sz="2400" dirty="0" smtClean="0">
-                <a:solidFill>
-                  <a:schemeClr val="tx1"/>
-                </a:solidFill>
-                <a:latin typeface="Helvetica" panose="020B0604020202020204" pitchFamily="34" charset="0"/>
-                <a:cs typeface="Helvetica" panose="020B0604020202020204" pitchFamily="34" charset="0"/>
-                <a:hlinkClick r:id="rId5" action="ppaction://hlinksldjump"/>
-              </a:rPr>
-              <a:t>программы</a:t>
-            </a:r>
-            <a:endParaRPr lang="ru-RU" sz="2400" dirty="0" smtClean="0">
+              <a:t>Информационная модель программы</a:t>
+            </a:r>
+            <a:endParaRPr lang="ru-RU" sz="2400" dirty="0">
               <a:solidFill>
                 <a:schemeClr val="tx1"/>
               </a:solidFill>
@@ -5872,20 +5807,9 @@
                 <a:cs typeface="Helvetica" panose="020B0604020202020204" pitchFamily="34" charset="0"/>
                 <a:hlinkClick r:id="rId6" action="ppaction://hlinksldjump"/>
               </a:rPr>
-              <a:t>Логическая модель </a:t>
-            </a:r>
-            <a:r>
-              <a:rPr lang="ru-RU" sz="2400" dirty="0" smtClean="0">
-                <a:solidFill>
-                  <a:schemeClr val="tx1"/>
-                </a:solidFill>
-                <a:latin typeface="Helvetica" panose="020B0604020202020204" pitchFamily="34" charset="0"/>
-                <a:cs typeface="Helvetica" panose="020B0604020202020204" pitchFamily="34" charset="0"/>
-                <a:hlinkClick r:id="rId6" action="ppaction://hlinksldjump"/>
-              </a:rPr>
-              <a:t>задачи</a:t>
-            </a:r>
-            <a:endParaRPr lang="ru-RU" sz="2400" dirty="0" smtClean="0">
+              <a:t>Логическая модель задачи</a:t>
+            </a:r>
+            <a:endParaRPr lang="ru-RU" sz="2400" dirty="0">
               <a:solidFill>
                 <a:schemeClr val="tx1"/>
               </a:solidFill>
@@ -5913,18 +5837,7 @@
                 <a:cs typeface="Helvetica" panose="020B0604020202020204" pitchFamily="34" charset="0"/>
                 <a:hlinkClick r:id="rId6" action="ppaction://hlinksldjump"/>
               </a:rPr>
-              <a:t>Логическая модель </a:t>
-            </a:r>
-            <a:r>
-              <a:rPr lang="ru-RU" sz="2400" dirty="0" smtClean="0">
-                <a:solidFill>
-                  <a:schemeClr val="tx1"/>
-                </a:solidFill>
-                <a:latin typeface="Helvetica" panose="020B0604020202020204" pitchFamily="34" charset="0"/>
-                <a:cs typeface="Helvetica" panose="020B0604020202020204" pitchFamily="34" charset="0"/>
-                <a:hlinkClick r:id="rId6" action="ppaction://hlinksldjump"/>
-              </a:rPr>
-              <a:t>программы</a:t>
+              <a:t>Логическая модель программы</a:t>
             </a:r>
             <a:endParaRPr lang="ru-RU" sz="2400" dirty="0">
               <a:solidFill>
@@ -5954,18 +5867,7 @@
                 <a:cs typeface="Helvetica" panose="020B0604020202020204" pitchFamily="34" charset="0"/>
                 <a:hlinkClick r:id="rId7" action="ppaction://hlinksldjump"/>
               </a:rPr>
-              <a:t>Интерфейс </a:t>
-            </a:r>
-            <a:r>
-              <a:rPr lang="ru-RU" sz="2400" dirty="0" smtClean="0">
-                <a:solidFill>
-                  <a:schemeClr val="tx1"/>
-                </a:solidFill>
-                <a:latin typeface="Helvetica" panose="020B0604020202020204" pitchFamily="34" charset="0"/>
-                <a:cs typeface="Helvetica" panose="020B0604020202020204" pitchFamily="34" charset="0"/>
-                <a:hlinkClick r:id="rId7" action="ppaction://hlinksldjump"/>
-              </a:rPr>
-              <a:t>программы</a:t>
+              <a:t>Интерфейс программы</a:t>
             </a:r>
             <a:endParaRPr lang="ru-RU" sz="2400" dirty="0">
               <a:latin typeface="Helvetica" panose="020B0604020202020204" pitchFamily="34" charset="0"/>
@@ -5984,7 +5886,7 @@
               <a:buSzTx/>
             </a:pPr>
             <a:r>
-              <a:rPr lang="ru-RU" sz="2400" dirty="0" smtClean="0">
+              <a:rPr lang="ru-RU" sz="2400" dirty="0">
                 <a:solidFill>
                   <a:schemeClr val="tx1"/>
                 </a:solidFill>
@@ -5994,7 +5896,7 @@
               </a:rPr>
               <a:t>Достоинства проекта</a:t>
             </a:r>
-            <a:endParaRPr lang="ru-RU" sz="2400" dirty="0" smtClean="0">
+            <a:endParaRPr lang="ru-RU" sz="2400" dirty="0">
               <a:solidFill>
                 <a:schemeClr val="tx1"/>
               </a:solidFill>
@@ -6014,7 +5916,7 @@
               <a:buSzTx/>
             </a:pPr>
             <a:r>
-              <a:rPr lang="ru-RU" sz="2400" dirty="0" smtClean="0">
+              <a:rPr lang="ru-RU" sz="2400" dirty="0">
                 <a:solidFill>
                   <a:schemeClr val="tx1"/>
                 </a:solidFill>
@@ -6024,7 +5926,7 @@
               </a:rPr>
               <a:t>Результаты выполнения проекта</a:t>
             </a:r>
-            <a:endParaRPr lang="en-US" sz="2400" dirty="0" smtClean="0">
+            <a:endParaRPr lang="en-US" sz="2400" dirty="0">
               <a:solidFill>
                 <a:schemeClr val="tx1"/>
               </a:solidFill>
@@ -6155,13 +6057,6 @@
       <p:transition/>
     </mc:Fallback>
   </mc:AlternateContent>
-  <p:timing>
-    <p:tnLst>
-      <p:par>
-        <p:cTn id="1" dur="indefinite" restart="never" nodeType="tmRoot"/>
-      </p:par>
-    </p:tnLst>
-  </p:timing>
 </p:sld>
 </file>
 
@@ -6352,13 +6247,6 @@
       <p:transition/>
     </mc:Fallback>
   </mc:AlternateContent>
-  <p:timing>
-    <p:tnLst>
-      <p:par>
-        <p:cTn id="1" dur="indefinite" restart="never" nodeType="tmRoot"/>
-      </p:par>
-    </p:tnLst>
-  </p:timing>
 </p:sld>
 </file>
 
@@ -6395,16 +6283,6 @@
           <a:lstStyle/>
           <a:p>
             <a:r>
-              <a:rPr lang="ru-RU" b="0" dirty="0" smtClean="0">
-                <a:solidFill>
-                  <a:srgbClr val="000000"/>
-                </a:solidFill>
-                <a:latin typeface="Helvetica"/>
-                <a:cs typeface="Helvetica"/>
-              </a:rPr>
-              <a:t>Задачи курсового </a:t>
-            </a:r>
-            <a:r>
               <a:rPr lang="ru-RU" b="0" dirty="0">
                 <a:solidFill>
                   <a:srgbClr val="000000"/>
@@ -6412,7 +6290,7 @@
                 <a:latin typeface="Helvetica"/>
                 <a:cs typeface="Helvetica"/>
               </a:rPr>
-              <a:t>проекта</a:t>
+              <a:t>Задачи курсового проекта</a:t>
             </a:r>
             <a:endParaRPr lang="ru-RU" dirty="0"/>
           </a:p>
@@ -6445,12 +6323,8 @@
               <a:buAutoNum type="arabicPeriod"/>
             </a:pPr>
             <a:r>
-              <a:rPr lang="ru-RU" sz="2200" dirty="0" smtClean="0"/>
-              <a:t>Информатизация </a:t>
-            </a:r>
-            <a:r>
               <a:rPr lang="ru-RU" sz="2200" dirty="0"/>
-              <a:t>регистрации данных об абитуриентах: Предполагает ведение базы данных </a:t>
+              <a:t>Информатизация регистрации данных об абитуриентах: Предполагает ведение базы данных </a:t>
             </a:r>
             <a:r>
               <a:rPr lang="ru-RU" sz="2200" dirty="0" err="1"/>
@@ -6458,13 +6332,9 @@
             </a:r>
             <a:r>
               <a:rPr lang="ru-RU" sz="2200" dirty="0"/>
-              <a:t> несколькими таблицами, содержащими информацию об абитуриентах колледжа. На основании полученных данных ведется формирование рейтинга абитуриентов с определенной выборкой по направлению (ПКС/ИБАС) или по типу аттестата (</a:t>
-            </a:r>
-            <a:r>
-              <a:rPr lang="ru-RU" sz="2200" dirty="0" smtClean="0"/>
-              <a:t>оригинал/копия)</a:t>
-            </a:r>
-            <a:endParaRPr lang="en-US" sz="2200" dirty="0" smtClean="0"/>
+              <a:t> несколькими таблицами, содержащими информацию об абитуриентах колледжа. На основании полученных данных ведется формирование рейтинга абитуриентов с определенной выборкой по направлению (ПКС/ИБАС) или по типу аттестата (оригинал/копия)</a:t>
+            </a:r>
+            <a:endParaRPr lang="en-US" sz="2200" dirty="0"/>
           </a:p>
           <a:p>
             <a:pPr marL="342900" lvl="0" indent="-342900">
@@ -6472,18 +6342,10 @@
               <a:buAutoNum type="arabicPeriod"/>
             </a:pPr>
             <a:r>
-              <a:rPr lang="ru-RU" sz="2200" dirty="0" smtClean="0"/>
-              <a:t>Редактирование </a:t>
-            </a:r>
-            <a:r>
               <a:rPr lang="ru-RU" sz="2200" dirty="0"/>
-              <a:t>базы данных — удаление, обновление, добавление данных </a:t>
-            </a:r>
-            <a:r>
-              <a:rPr lang="ru-RU" sz="2200" dirty="0" smtClean="0"/>
-              <a:t>абитуриентов.</a:t>
-            </a:r>
-            <a:endParaRPr lang="en-US" sz="2200" dirty="0" smtClean="0"/>
+              <a:t>Редактирование базы данных — удаление, обновление, добавление данных абитуриентов.</a:t>
+            </a:r>
+            <a:endParaRPr lang="en-US" sz="2200" dirty="0"/>
           </a:p>
           <a:p>
             <a:pPr marL="342900" lvl="0" indent="-342900">
@@ -6491,12 +6353,8 @@
               <a:buAutoNum type="arabicPeriod"/>
             </a:pPr>
             <a:r>
-              <a:rPr lang="ru-RU" sz="2200" dirty="0" smtClean="0"/>
-              <a:t>Формирование </a:t>
-            </a:r>
-            <a:r>
               <a:rPr lang="ru-RU" sz="2200" dirty="0"/>
-              <a:t>отчетов. Создание отчетов по каждому абитуриенту при приеме документов в колледж, а также при формировании рейтинга абитуриентов </a:t>
+              <a:t>Формирование отчетов. Создание отчетов по каждому абитуриенту при приеме документов в колледж, а также при формировании рейтинга абитуриентов </a:t>
             </a:r>
             <a:r>
               <a:rPr lang="en-US" sz="2200" dirty="0"/>
@@ -6614,13 +6472,6 @@
       <p:transition/>
     </mc:Fallback>
   </mc:AlternateContent>
-  <p:timing>
-    <p:tnLst>
-      <p:par>
-        <p:cTn id="1" dur="indefinite" restart="never" nodeType="tmRoot"/>
-      </p:par>
-    </p:tnLst>
-  </p:timing>
 </p:sld>
 </file>
 
@@ -6664,7 +6515,7 @@
           <a:lstStyle/>
           <a:p>
             <a:r>
-              <a:rPr lang="ru-RU" sz="4000" b="0" dirty="0" smtClean="0">
+              <a:rPr lang="ru-RU" sz="4000" b="0" dirty="0">
                 <a:solidFill>
                   <a:schemeClr val="tx1"/>
                 </a:solidFill>
@@ -6673,13 +6524,6 @@
               </a:rPr>
               <a:t>Входные и выходные данные</a:t>
             </a:r>
-            <a:endParaRPr lang="ru-RU" sz="4000" b="0" dirty="0">
-              <a:solidFill>
-                <a:schemeClr val="tx1"/>
-              </a:solidFill>
-              <a:latin typeface="Helvetica" panose="020B0604020202020204" pitchFamily="34" charset="0"/>
-              <a:cs typeface="Helvetica" panose="020B0604020202020204" pitchFamily="34" charset="0"/>
-            </a:endParaRPr>
           </a:p>
         </p:txBody>
       </p:sp>
@@ -6719,15 +6563,15 @@
               <a:t> элементов </a:t>
             </a:r>
             <a:r>
-              <a:rPr lang="en-US" sz="2100" dirty="0" smtClean="0"/>
+              <a:rPr lang="en-US" sz="2100" dirty="0"/>
               <a:t>Windows</a:t>
             </a:r>
             <a:r>
-              <a:rPr lang="ru-RU" sz="2100" dirty="0" smtClean="0"/>
+              <a:rPr lang="ru-RU" sz="2100" dirty="0"/>
               <a:t> </a:t>
             </a:r>
             <a:r>
-              <a:rPr lang="en-US" sz="2100" dirty="0" smtClean="0"/>
+              <a:rPr lang="en-US" sz="2100" dirty="0"/>
               <a:t>Forms</a:t>
             </a:r>
             <a:r>
@@ -6758,17 +6602,12 @@
               <a:rPr lang="ru-RU" sz="2100" dirty="0"/>
               <a:t>. </a:t>
             </a:r>
-            <a:endParaRPr lang="ru-RU" sz="2100" dirty="0" smtClean="0"/>
           </a:p>
           <a:p>
             <a:pPr marL="331470" indent="-285750"/>
             <a:r>
-              <a:rPr lang="ru-RU" sz="2100" dirty="0" smtClean="0"/>
-              <a:t>Выходные </a:t>
-            </a:r>
-            <a:r>
               <a:rPr lang="ru-RU" sz="2100" dirty="0"/>
-              <a:t>данные — база данных </a:t>
+              <a:t>Выходные данные — база данных </a:t>
             </a:r>
             <a:r>
               <a:rPr lang="en-US" sz="2100" dirty="0"/>
@@ -6799,7 +6638,7 @@
               <a:t>GridTable</a:t>
             </a:r>
             <a:r>
-              <a:rPr lang="ru-RU" sz="2100" dirty="0" smtClean="0"/>
+              <a:rPr lang="ru-RU" sz="2100" dirty="0"/>
               <a:t>.</a:t>
             </a:r>
             <a:endParaRPr lang="ru-RU" sz="2100" dirty="0">
@@ -6944,13 +6783,6 @@
       <p:transition/>
     </mc:Fallback>
   </mc:AlternateContent>
-  <p:timing>
-    <p:tnLst>
-      <p:par>
-        <p:cTn id="1" dur="indefinite" restart="never" nodeType="tmRoot"/>
-      </p:par>
-    </p:tnLst>
-  </p:timing>
 </p:sld>
 </file>
 
@@ -6994,7 +6826,7 @@
           <a:lstStyle/>
           <a:p>
             <a:r>
-              <a:rPr lang="ru-RU" sz="4000" b="0" dirty="0" smtClean="0">
+              <a:rPr lang="ru-RU" sz="4000" b="0" dirty="0">
                 <a:solidFill>
                   <a:schemeClr val="tx1"/>
                 </a:solidFill>
@@ -7003,13 +6835,6 @@
               </a:rPr>
               <a:t>Информационная модель программы </a:t>
             </a:r>
-            <a:endParaRPr lang="ru-RU" sz="4000" b="0" dirty="0">
-              <a:solidFill>
-                <a:schemeClr val="tx1"/>
-              </a:solidFill>
-              <a:latin typeface="Helvetica" panose="020B0604020202020204" pitchFamily="34" charset="0"/>
-              <a:cs typeface="Helvetica" panose="020B0604020202020204" pitchFamily="34" charset="0"/>
-            </a:endParaRPr>
           </a:p>
         </p:txBody>
       </p:sp>
@@ -7145,13 +6970,6 @@
       <p:transition/>
     </mc:Fallback>
   </mc:AlternateContent>
-  <p:timing>
-    <p:tnLst>
-      <p:par>
-        <p:cTn id="1" dur="indefinite" restart="never" nodeType="tmRoot"/>
-      </p:par>
-    </p:tnLst>
-  </p:timing>
 </p:sld>
 </file>
 
@@ -7195,7 +7013,7 @@
           <a:lstStyle/>
           <a:p>
             <a:r>
-              <a:rPr lang="ru-RU" sz="4000" b="0" dirty="0" smtClean="0">
+              <a:rPr lang="ru-RU" sz="4000" b="0" dirty="0">
                 <a:solidFill>
                   <a:schemeClr val="tx1"/>
                 </a:solidFill>
@@ -7204,13 +7022,6 @@
               </a:rPr>
               <a:t>Логическая модель задачи</a:t>
             </a:r>
-            <a:endParaRPr lang="ru-RU" sz="4000" b="0" dirty="0">
-              <a:solidFill>
-                <a:schemeClr val="tx1"/>
-              </a:solidFill>
-              <a:latin typeface="Helvetica" panose="020B0604020202020204" pitchFamily="34" charset="0"/>
-              <a:cs typeface="Helvetica" panose="020B0604020202020204" pitchFamily="34" charset="0"/>
-            </a:endParaRPr>
           </a:p>
         </p:txBody>
       </p:sp>
@@ -7346,13 +7157,6 @@
       <p:transition/>
     </mc:Fallback>
   </mc:AlternateContent>
-  <p:timing>
-    <p:tnLst>
-      <p:par>
-        <p:cTn id="1" dur="indefinite" restart="never" nodeType="tmRoot"/>
-      </p:par>
-    </p:tnLst>
-  </p:timing>
 </p:sld>
 </file>
 
@@ -7396,7 +7200,7 @@
           <a:lstStyle/>
           <a:p>
             <a:r>
-              <a:rPr lang="ru-RU" sz="4000" b="0" dirty="0" smtClean="0">
+              <a:rPr lang="ru-RU" sz="4000" b="0" dirty="0">
                 <a:solidFill>
                   <a:schemeClr val="tx1"/>
                 </a:solidFill>
@@ -7405,13 +7209,6 @@
               </a:rPr>
               <a:t>Логическая модель программы</a:t>
             </a:r>
-            <a:endParaRPr lang="ru-RU" sz="4000" b="0" dirty="0">
-              <a:solidFill>
-                <a:schemeClr val="tx1"/>
-              </a:solidFill>
-              <a:latin typeface="Helvetica" panose="020B0604020202020204" pitchFamily="34" charset="0"/>
-              <a:cs typeface="Helvetica" panose="020B0604020202020204" pitchFamily="34" charset="0"/>
-            </a:endParaRPr>
           </a:p>
         </p:txBody>
       </p:sp>
@@ -7547,13 +7344,6 @@
       <p:transition/>
     </mc:Fallback>
   </mc:AlternateContent>
-  <p:timing>
-    <p:tnLst>
-      <p:par>
-        <p:cTn id="1" dur="indefinite" restart="never" nodeType="tmRoot"/>
-      </p:par>
-    </p:tnLst>
-  </p:timing>
 </p:sld>
 </file>
 
@@ -7597,7 +7387,7 @@
           <a:lstStyle/>
           <a:p>
             <a:r>
-              <a:rPr lang="ru-RU" sz="4000" b="0" dirty="0" smtClean="0">
+              <a:rPr lang="ru-RU" sz="4000" b="0" dirty="0">
                 <a:solidFill>
                   <a:schemeClr val="tx1"/>
                 </a:solidFill>
@@ -7606,169 +7396,9 @@
               </a:rPr>
               <a:t>Интерфейс программы</a:t>
             </a:r>
-            <a:endParaRPr lang="ru-RU" sz="4000" b="0" dirty="0">
-              <a:solidFill>
-                <a:schemeClr val="tx1"/>
-              </a:solidFill>
-              <a:latin typeface="Helvetica" panose="020B0604020202020204" pitchFamily="34" charset="0"/>
-              <a:cs typeface="Helvetica" panose="020B0604020202020204" pitchFamily="34" charset="0"/>
-            </a:endParaRPr>
-          </a:p>
-        </p:txBody>
-      </p:sp>
-      <p:pic>
-        <p:nvPicPr>
-          <p:cNvPr id="4" name="Рисунок 3" descr="/Users/georgiydemo/Desktop/Снимок.PNG"/>
-          <p:cNvPicPr/>
-          <p:nvPr/>
-        </p:nvPicPr>
-        <p:blipFill>
-          <a:blip r:embed="rId2">
-            <a:extLst>
-              <a:ext uri="{28A0092B-C50C-407E-A947-70E740481C1C}">
-                <a14:useLocalDpi xmlns:a14="http://schemas.microsoft.com/office/drawing/2010/main" val="0"/>
-              </a:ext>
-            </a:extLst>
-          </a:blip>
-          <a:srcRect/>
-          <a:stretch>
-            <a:fillRect/>
-          </a:stretch>
-        </p:blipFill>
-        <p:spPr bwMode="auto">
-          <a:xfrm>
-            <a:off x="400048" y="1394455"/>
-            <a:ext cx="2207661" cy="2899595"/>
-          </a:xfrm>
-          <a:prstGeom prst="rect">
-            <a:avLst/>
-          </a:prstGeom>
-          <a:noFill/>
-          <a:ln>
-            <a:noFill/>
-          </a:ln>
-        </p:spPr>
-      </p:pic>
-      <p:pic>
-        <p:nvPicPr>
-          <p:cNvPr id="8" name="Рисунок 7"/>
-          <p:cNvPicPr>
-            <a:picLocks noChangeAspect="1"/>
-          </p:cNvPicPr>
-          <p:nvPr/>
-        </p:nvPicPr>
-        <p:blipFill>
-          <a:blip r:embed="rId3">
-            <a:extLst>
-              <a:ext uri="{28A0092B-C50C-407E-A947-70E740481C1C}">
-                <a14:useLocalDpi xmlns:a14="http://schemas.microsoft.com/office/drawing/2010/main" val="0"/>
-              </a:ext>
-            </a:extLst>
-          </a:blip>
-          <a:stretch>
-            <a:fillRect/>
-          </a:stretch>
-        </p:blipFill>
-        <p:spPr>
-          <a:xfrm>
-            <a:off x="3109262" y="4248144"/>
-            <a:ext cx="5487662" cy="1989168"/>
-          </a:xfrm>
-          <a:prstGeom prst="rect">
-            <a:avLst/>
-          </a:prstGeom>
-        </p:spPr>
-      </p:pic>
-      <p:pic>
-        <p:nvPicPr>
-          <p:cNvPr id="9" name="Рисунок 8"/>
-          <p:cNvPicPr>
-            <a:picLocks noChangeAspect="1"/>
-          </p:cNvPicPr>
-          <p:nvPr/>
-        </p:nvPicPr>
-        <p:blipFill>
-          <a:blip r:embed="rId4">
-            <a:extLst>
-              <a:ext uri="{28A0092B-C50C-407E-A947-70E740481C1C}">
-                <a14:useLocalDpi xmlns:a14="http://schemas.microsoft.com/office/drawing/2010/main" val="0"/>
-              </a:ext>
-            </a:extLst>
-          </a:blip>
-          <a:stretch>
-            <a:fillRect/>
-          </a:stretch>
-        </p:blipFill>
-        <p:spPr>
-          <a:xfrm>
-            <a:off x="8637973" y="1394455"/>
-            <a:ext cx="2466825" cy="2566160"/>
-          </a:xfrm>
-          <a:prstGeom prst="rect">
-            <a:avLst/>
-          </a:prstGeom>
-        </p:spPr>
-      </p:pic>
-      <p:pic>
-        <p:nvPicPr>
-          <p:cNvPr id="10" name="Рисунок 9"/>
-          <p:cNvPicPr>
-            <a:picLocks noChangeAspect="1"/>
-          </p:cNvPicPr>
-          <p:nvPr/>
-        </p:nvPicPr>
-        <p:blipFill>
-          <a:blip r:embed="rId5">
-            <a:extLst>
-              <a:ext uri="{28A0092B-C50C-407E-A947-70E740481C1C}">
-                <a14:useLocalDpi xmlns:a14="http://schemas.microsoft.com/office/drawing/2010/main" val="0"/>
-              </a:ext>
-            </a:extLst>
-          </a:blip>
-          <a:stretch>
-            <a:fillRect/>
-          </a:stretch>
-        </p:blipFill>
-        <p:spPr>
-          <a:xfrm>
-            <a:off x="2852132" y="1394455"/>
-            <a:ext cx="5353050" cy="2552700"/>
-          </a:xfrm>
-          <a:prstGeom prst="rect">
-            <a:avLst/>
-          </a:prstGeom>
-        </p:spPr>
-      </p:pic>
-      <p:pic>
-        <p:nvPicPr>
-          <p:cNvPr id="11" name="Рисунок 10"/>
-          <p:cNvPicPr>
-            <a:picLocks noChangeAspect="1"/>
-          </p:cNvPicPr>
-          <p:nvPr/>
-        </p:nvPicPr>
-        <p:blipFill>
-          <a:blip r:embed="rId6">
-            <a:extLst>
-              <a:ext uri="{28A0092B-C50C-407E-A947-70E740481C1C}">
-                <a14:useLocalDpi xmlns:a14="http://schemas.microsoft.com/office/drawing/2010/main" val="0"/>
-              </a:ext>
-            </a:extLst>
-          </a:blip>
-          <a:stretch>
-            <a:fillRect/>
-          </a:stretch>
-        </p:blipFill>
-        <p:spPr>
-          <a:xfrm>
-            <a:off x="125559" y="4559459"/>
-            <a:ext cx="2756641" cy="1976459"/>
-          </a:xfrm>
-          <a:prstGeom prst="rect">
-            <a:avLst/>
-          </a:prstGeom>
-        </p:spPr>
-      </p:pic>
+          </a:p>
+        </p:txBody>
+      </p:sp>
       <p:sp>
         <p:nvSpPr>
           <p:cNvPr id="12" name="Управляющая кнопка: далее 11">
@@ -7871,13 +7501,6 @@
       <p:transition/>
     </mc:Fallback>
   </mc:AlternateContent>
-  <p:timing>
-    <p:tnLst>
-      <p:par>
-        <p:cTn id="1" dur="indefinite" restart="never" nodeType="tmRoot"/>
-      </p:par>
-    </p:tnLst>
-  </p:timing>
 </p:sld>
 </file>
 
